--- a/PPAnalysis.pptx
+++ b/PPAnalysis.pptx
@@ -5,22 +5,20 @@
     <p:sldMasterId id="2147483648" r:id="rId1"/>
   </p:sldMasterIdLst>
   <p:notesMasterIdLst>
-    <p:notesMasterId r:id="rId15"/>
+    <p:notesMasterId r:id="rId13"/>
   </p:notesMasterIdLst>
   <p:sldIdLst>
     <p:sldId id="256" r:id="rId2"/>
     <p:sldId id="257" r:id="rId3"/>
     <p:sldId id="258" r:id="rId4"/>
     <p:sldId id="259" r:id="rId5"/>
-    <p:sldId id="260" r:id="rId6"/>
-    <p:sldId id="262" r:id="rId7"/>
-    <p:sldId id="266" r:id="rId8"/>
-    <p:sldId id="269" r:id="rId9"/>
-    <p:sldId id="267" r:id="rId10"/>
-    <p:sldId id="270" r:id="rId11"/>
-    <p:sldId id="263" r:id="rId12"/>
-    <p:sldId id="272" r:id="rId13"/>
-    <p:sldId id="273" r:id="rId14"/>
+    <p:sldId id="262" r:id="rId6"/>
+    <p:sldId id="274" r:id="rId7"/>
+    <p:sldId id="275" r:id="rId8"/>
+    <p:sldId id="276" r:id="rId9"/>
+    <p:sldId id="277" r:id="rId10"/>
+    <p:sldId id="278" r:id="rId11"/>
+    <p:sldId id="273" r:id="rId12"/>
   </p:sldIdLst>
   <p:sldSz cx="12192000" cy="6858000"/>
   <p:notesSz cx="6858000" cy="9144000"/>
@@ -604,7 +602,7 @@
           <a:bodyPr/>
           <a:lstStyle/>
           <a:p>
-            <a:endParaRPr lang="en-US"/>
+            <a:endParaRPr lang="en-US" dirty="0"/>
           </a:p>
         </p:txBody>
       </p:sp>
@@ -709,7 +707,7 @@
           <a:p>
             <a:fld id="{637EA41F-6F97-514E-BA8B-985A0C23CCFF}" type="slidenum">
               <a:rPr lang="en-US" smtClean="0"/>
-              <a:t>6</a:t>
+              <a:t>5</a:t>
             </a:fld>
             <a:endParaRPr lang="en-US"/>
           </a:p>
@@ -772,7 +770,7 @@
           <a:bodyPr/>
           <a:lstStyle/>
           <a:p>
-            <a:endParaRPr lang="en-US"/>
+            <a:endParaRPr lang="en-US" dirty="0"/>
           </a:p>
         </p:txBody>
       </p:sp>
@@ -793,175 +791,7 @@
           <a:p>
             <a:fld id="{637EA41F-6F97-514E-BA8B-985A0C23CCFF}" type="slidenum">
               <a:rPr lang="en-US" smtClean="0"/>
-              <a:t>9</a:t>
-            </a:fld>
-            <a:endParaRPr lang="en-US"/>
-          </a:p>
-        </p:txBody>
-      </p:sp>
-    </p:spTree>
-    <p:extLst>
-      <p:ext uri="{BB962C8B-B14F-4D97-AF65-F5344CB8AC3E}">
-        <p14:creationId xmlns:p14="http://schemas.microsoft.com/office/powerpoint/2010/main" val="4168352600"/>
-      </p:ext>
-    </p:extLst>
-  </p:cSld>
-  <p:clrMapOvr>
-    <a:masterClrMapping/>
-  </p:clrMapOvr>
-</p:notes>
-</file>
-
-<file path=ppt/notesSlides/notesSlide5.xml><?xml version="1.0" encoding="utf-8"?>
-<p:notes xmlns:a="http://schemas.openxmlformats.org/drawingml/2006/main" xmlns:r="http://schemas.openxmlformats.org/officeDocument/2006/relationships" xmlns:p="http://schemas.openxmlformats.org/presentationml/2006/main">
-  <p:cSld>
-    <p:spTree>
-      <p:nvGrpSpPr>
-        <p:cNvPr id="1" name=""/>
-        <p:cNvGrpSpPr/>
-        <p:nvPr/>
-      </p:nvGrpSpPr>
-      <p:grpSpPr>
-        <a:xfrm>
-          <a:off x="0" y="0"/>
-          <a:ext cx="0" cy="0"/>
-          <a:chOff x="0" y="0"/>
-          <a:chExt cx="0" cy="0"/>
-        </a:xfrm>
-      </p:grpSpPr>
-      <p:sp>
-        <p:nvSpPr>
-          <p:cNvPr id="2" name="Slide Image Placeholder 1"/>
-          <p:cNvSpPr>
-            <a:spLocks noGrp="1" noRot="1" noChangeAspect="1"/>
-          </p:cNvSpPr>
-          <p:nvPr>
-            <p:ph type="sldImg"/>
-          </p:nvPr>
-        </p:nvSpPr>
-        <p:spPr/>
-      </p:sp>
-      <p:sp>
-        <p:nvSpPr>
-          <p:cNvPr id="3" name="Notes Placeholder 2"/>
-          <p:cNvSpPr>
-            <a:spLocks noGrp="1"/>
-          </p:cNvSpPr>
-          <p:nvPr>
-            <p:ph type="body" idx="1"/>
-          </p:nvPr>
-        </p:nvSpPr>
-        <p:spPr/>
-        <p:txBody>
-          <a:bodyPr/>
-          <a:lstStyle/>
-          <a:p>
-            <a:endParaRPr lang="en-US"/>
-          </a:p>
-        </p:txBody>
-      </p:sp>
-      <p:sp>
-        <p:nvSpPr>
-          <p:cNvPr id="4" name="Slide Number Placeholder 3"/>
-          <p:cNvSpPr>
-            <a:spLocks noGrp="1"/>
-          </p:cNvSpPr>
-          <p:nvPr>
-            <p:ph type="sldNum" sz="quarter" idx="5"/>
-          </p:nvPr>
-        </p:nvSpPr>
-        <p:spPr/>
-        <p:txBody>
-          <a:bodyPr/>
-          <a:lstStyle/>
-          <a:p>
-            <a:fld id="{637EA41F-6F97-514E-BA8B-985A0C23CCFF}" type="slidenum">
-              <a:rPr lang="en-US" smtClean="0"/>
-              <a:t>10</a:t>
-            </a:fld>
-            <a:endParaRPr lang="en-US"/>
-          </a:p>
-        </p:txBody>
-      </p:sp>
-    </p:spTree>
-    <p:extLst>
-      <p:ext uri="{BB962C8B-B14F-4D97-AF65-F5344CB8AC3E}">
-        <p14:creationId xmlns:p14="http://schemas.microsoft.com/office/powerpoint/2010/main" val="4135216731"/>
-      </p:ext>
-    </p:extLst>
-  </p:cSld>
-  <p:clrMapOvr>
-    <a:masterClrMapping/>
-  </p:clrMapOvr>
-</p:notes>
-</file>
-
-<file path=ppt/notesSlides/notesSlide6.xml><?xml version="1.0" encoding="utf-8"?>
-<p:notes xmlns:a="http://schemas.openxmlformats.org/drawingml/2006/main" xmlns:r="http://schemas.openxmlformats.org/officeDocument/2006/relationships" xmlns:p="http://schemas.openxmlformats.org/presentationml/2006/main">
-  <p:cSld>
-    <p:spTree>
-      <p:nvGrpSpPr>
-        <p:cNvPr id="1" name=""/>
-        <p:cNvGrpSpPr/>
-        <p:nvPr/>
-      </p:nvGrpSpPr>
-      <p:grpSpPr>
-        <a:xfrm>
-          <a:off x="0" y="0"/>
-          <a:ext cx="0" cy="0"/>
-          <a:chOff x="0" y="0"/>
-          <a:chExt cx="0" cy="0"/>
-        </a:xfrm>
-      </p:grpSpPr>
-      <p:sp>
-        <p:nvSpPr>
-          <p:cNvPr id="2" name="Slide Image Placeholder 1"/>
-          <p:cNvSpPr>
-            <a:spLocks noGrp="1" noRot="1" noChangeAspect="1"/>
-          </p:cNvSpPr>
-          <p:nvPr>
-            <p:ph type="sldImg"/>
-          </p:nvPr>
-        </p:nvSpPr>
-        <p:spPr/>
-      </p:sp>
-      <p:sp>
-        <p:nvSpPr>
-          <p:cNvPr id="3" name="Notes Placeholder 2"/>
-          <p:cNvSpPr>
-            <a:spLocks noGrp="1"/>
-          </p:cNvSpPr>
-          <p:nvPr>
-            <p:ph type="body" idx="1"/>
-          </p:nvPr>
-        </p:nvSpPr>
-        <p:spPr/>
-        <p:txBody>
-          <a:bodyPr/>
-          <a:lstStyle/>
-          <a:p>
-            <a:endParaRPr lang="en-US" dirty="0"/>
-          </a:p>
-        </p:txBody>
-      </p:sp>
-      <p:sp>
-        <p:nvSpPr>
-          <p:cNvPr id="4" name="Slide Number Placeholder 3"/>
-          <p:cNvSpPr>
-            <a:spLocks noGrp="1"/>
-          </p:cNvSpPr>
-          <p:nvPr>
-            <p:ph type="sldNum" sz="quarter" idx="5"/>
-          </p:nvPr>
-        </p:nvSpPr>
-        <p:spPr/>
-        <p:txBody>
-          <a:bodyPr/>
-          <a:lstStyle/>
-          <a:p>
-            <a:fld id="{637EA41F-6F97-514E-BA8B-985A0C23CCFF}" type="slidenum">
-              <a:rPr lang="en-US" smtClean="0"/>
-              <a:t>13</a:t>
+              <a:t>11</a:t>
             </a:fld>
             <a:endParaRPr lang="en-US"/>
           </a:p>
@@ -6648,10 +6478,10 @@
       </p:grpSpPr>
       <p:sp>
         <p:nvSpPr>
-          <p:cNvPr id="6" name="Title 1">
+          <p:cNvPr id="2" name="Title 1">
             <a:extLst>
               <a:ext uri="{FF2B5EF4-FFF2-40B4-BE49-F238E27FC236}">
-                <a16:creationId xmlns:a16="http://schemas.microsoft.com/office/drawing/2014/main" id="{21C8F052-384C-6144-A2DA-606D75DBB02B}"/>
+                <a16:creationId xmlns:a16="http://schemas.microsoft.com/office/drawing/2014/main" id="{CD305838-5630-3940-95C7-6C97B6F0479C}"/>
               </a:ext>
             </a:extLst>
           </p:cNvPr>
@@ -6664,7 +6494,7 @@
         </p:nvSpPr>
         <p:spPr>
           <a:xfrm>
-            <a:off x="1789427" y="106884"/>
+            <a:off x="1792668" y="764373"/>
             <a:ext cx="8610600" cy="1293028"/>
           </a:xfrm>
         </p:spPr>
@@ -6674,27 +6504,655 @@
           <a:p>
             <a:pPr algn="ctr"/>
             <a:r>
-              <a:rPr lang="en-US" b="1" dirty="0"/>
-              <a:t>New Qs Analysis</a:t>
+              <a:rPr lang="en-US" dirty="0"/>
+              <a:t>Chi-Square Test</a:t>
             </a:r>
           </a:p>
         </p:txBody>
       </p:sp>
       <p:pic>
         <p:nvPicPr>
-          <p:cNvPr id="4" name="Content Placeholder 3">
+          <p:cNvPr id="13" name="Picture 12">
             <a:extLst>
               <a:ext uri="{FF2B5EF4-FFF2-40B4-BE49-F238E27FC236}">
-                <a16:creationId xmlns:a16="http://schemas.microsoft.com/office/drawing/2014/main" id="{315D6D16-A776-824A-9ACA-630F472EACC6}"/>
+                <a16:creationId xmlns:a16="http://schemas.microsoft.com/office/drawing/2014/main" id="{33D49B93-95CF-5245-9C06-7FB0B39E28CE}"/>
               </a:ext>
             </a:extLst>
           </p:cNvPr>
           <p:cNvPicPr>
-            <a:picLocks noGrp="1" noChangeAspect="1"/>
+            <a:picLocks noChangeAspect="1"/>
           </p:cNvPicPr>
+          <p:nvPr/>
+        </p:nvPicPr>
+        <p:blipFill>
+          <a:blip r:embed="rId2"/>
+          <a:stretch>
+            <a:fillRect/>
+          </a:stretch>
+        </p:blipFill>
+        <p:spPr>
+          <a:xfrm>
+            <a:off x="1839411" y="1733026"/>
+            <a:ext cx="8464088" cy="4611126"/>
+          </a:xfrm>
+          <a:prstGeom prst="rect">
+            <a:avLst/>
+          </a:prstGeom>
+        </p:spPr>
+      </p:pic>
+    </p:spTree>
+    <p:extLst>
+      <p:ext uri="{BB962C8B-B14F-4D97-AF65-F5344CB8AC3E}">
+        <p14:creationId xmlns:p14="http://schemas.microsoft.com/office/powerpoint/2010/main" val="2447388716"/>
+      </p:ext>
+    </p:extLst>
+  </p:cSld>
+  <p:clrMapOvr>
+    <a:masterClrMapping/>
+  </p:clrMapOvr>
+</p:sld>
+</file>
+
+<file path=ppt/slides/slide11.xml><?xml version="1.0" encoding="utf-8"?>
+<p:sld xmlns:a="http://schemas.openxmlformats.org/drawingml/2006/main" xmlns:r="http://schemas.openxmlformats.org/officeDocument/2006/relationships" xmlns:p="http://schemas.openxmlformats.org/presentationml/2006/main">
+  <p:cSld>
+    <p:spTree>
+      <p:nvGrpSpPr>
+        <p:cNvPr id="1" name=""/>
+        <p:cNvGrpSpPr/>
+        <p:nvPr/>
+      </p:nvGrpSpPr>
+      <p:grpSpPr>
+        <a:xfrm>
+          <a:off x="0" y="0"/>
+          <a:ext cx="0" cy="0"/>
+          <a:chOff x="0" y="0"/>
+          <a:chExt cx="0" cy="0"/>
+        </a:xfrm>
+      </p:grpSpPr>
+      <p:sp>
+        <p:nvSpPr>
+          <p:cNvPr id="2" name="Title 1">
+            <a:extLst>
+              <a:ext uri="{FF2B5EF4-FFF2-40B4-BE49-F238E27FC236}">
+                <a16:creationId xmlns:a16="http://schemas.microsoft.com/office/drawing/2014/main" id="{0C559F4B-D0AB-9F49-A8D9-570FB789138E}"/>
+              </a:ext>
+            </a:extLst>
+          </p:cNvPr>
+          <p:cNvSpPr>
+            <a:spLocks noGrp="1"/>
+          </p:cNvSpPr>
+          <p:nvPr>
+            <p:ph type="title"/>
+          </p:nvPr>
+        </p:nvSpPr>
+        <p:spPr>
+          <a:xfrm>
+            <a:off x="1790700" y="506795"/>
+            <a:ext cx="8610600" cy="1293028"/>
+          </a:xfrm>
+        </p:spPr>
+        <p:txBody>
+          <a:bodyPr/>
+          <a:lstStyle/>
+          <a:p>
+            <a:pPr algn="ctr"/>
+            <a:r>
+              <a:rPr lang="en-US" b="1" dirty="0"/>
+              <a:t>Conclusion</a:t>
+            </a:r>
+          </a:p>
+        </p:txBody>
+      </p:sp>
+      <p:sp>
+        <p:nvSpPr>
+          <p:cNvPr id="3" name="Content Placeholder 2">
+            <a:extLst>
+              <a:ext uri="{FF2B5EF4-FFF2-40B4-BE49-F238E27FC236}">
+                <a16:creationId xmlns:a16="http://schemas.microsoft.com/office/drawing/2014/main" id="{2C2E11CD-0945-A343-8DC1-8E002D4DBE8B}"/>
+              </a:ext>
+            </a:extLst>
+          </p:cNvPr>
+          <p:cNvSpPr>
+            <a:spLocks noGrp="1"/>
+          </p:cNvSpPr>
           <p:nvPr>
             <p:ph idx="1"/>
           </p:nvPr>
+        </p:nvSpPr>
+        <p:spPr/>
+        <p:txBody>
+          <a:bodyPr>
+            <a:normAutofit/>
+          </a:bodyPr>
+          <a:lstStyle/>
+          <a:p>
+            <a:r>
+              <a:rPr lang="en-US" sz="3200" dirty="0"/>
+              <a:t>Since the Chi-Square Value of 3476.45 exceeds the critical value of 1073.64, we conclude that the results are statically significant. Therefore we reject the NULL Hypothesis that the Question Scores has no impact on the Answer Scores.</a:t>
+            </a:r>
+          </a:p>
+        </p:txBody>
+      </p:sp>
+    </p:spTree>
+    <p:extLst>
+      <p:ext uri="{BB962C8B-B14F-4D97-AF65-F5344CB8AC3E}">
+        <p14:creationId xmlns:p14="http://schemas.microsoft.com/office/powerpoint/2010/main" val="3719166335"/>
+      </p:ext>
+    </p:extLst>
+  </p:cSld>
+  <p:clrMapOvr>
+    <a:masterClrMapping/>
+  </p:clrMapOvr>
+</p:sld>
+</file>
+
+<file path=ppt/slides/slide2.xml><?xml version="1.0" encoding="utf-8"?>
+<p:sld xmlns:a="http://schemas.openxmlformats.org/drawingml/2006/main" xmlns:r="http://schemas.openxmlformats.org/officeDocument/2006/relationships" xmlns:p="http://schemas.openxmlformats.org/presentationml/2006/main">
+  <p:cSld>
+    <p:spTree>
+      <p:nvGrpSpPr>
+        <p:cNvPr id="1" name=""/>
+        <p:cNvGrpSpPr/>
+        <p:nvPr/>
+      </p:nvGrpSpPr>
+      <p:grpSpPr>
+        <a:xfrm>
+          <a:off x="0" y="0"/>
+          <a:ext cx="0" cy="0"/>
+          <a:chOff x="0" y="0"/>
+          <a:chExt cx="0" cy="0"/>
+        </a:xfrm>
+      </p:grpSpPr>
+      <p:sp>
+        <p:nvSpPr>
+          <p:cNvPr id="2" name="Title 1">
+            <a:extLst>
+              <a:ext uri="{FF2B5EF4-FFF2-40B4-BE49-F238E27FC236}">
+                <a16:creationId xmlns:a16="http://schemas.microsoft.com/office/drawing/2014/main" id="{95A5C40E-8379-5F47-B33B-C659EFF6AAE7}"/>
+              </a:ext>
+            </a:extLst>
+          </p:cNvPr>
+          <p:cNvSpPr>
+            <a:spLocks noGrp="1"/>
+          </p:cNvSpPr>
+          <p:nvPr>
+            <p:ph type="title"/>
+          </p:nvPr>
+        </p:nvSpPr>
+        <p:spPr>
+          <a:xfrm>
+            <a:off x="1800912" y="533553"/>
+            <a:ext cx="8610600" cy="1293028"/>
+          </a:xfrm>
+        </p:spPr>
+        <p:txBody>
+          <a:bodyPr/>
+          <a:lstStyle/>
+          <a:p>
+            <a:pPr algn="ctr"/>
+            <a:r>
+              <a:rPr lang="en-US" b="1" dirty="0"/>
+              <a:t>Introduction</a:t>
+            </a:r>
+          </a:p>
+        </p:txBody>
+      </p:sp>
+      <p:sp>
+        <p:nvSpPr>
+          <p:cNvPr id="3" name="Content Placeholder 2">
+            <a:extLst>
+              <a:ext uri="{FF2B5EF4-FFF2-40B4-BE49-F238E27FC236}">
+                <a16:creationId xmlns:a16="http://schemas.microsoft.com/office/drawing/2014/main" id="{D2ABFE3A-9E15-BB46-AC73-696EC9106456}"/>
+              </a:ext>
+            </a:extLst>
+          </p:cNvPr>
+          <p:cNvSpPr>
+            <a:spLocks noGrp="1"/>
+          </p:cNvSpPr>
+          <p:nvPr>
+            <p:ph idx="1"/>
+          </p:nvPr>
+        </p:nvSpPr>
+        <p:spPr>
+          <a:xfrm>
+            <a:off x="685800" y="2194560"/>
+            <a:ext cx="10820400" cy="4250628"/>
+          </a:xfrm>
+        </p:spPr>
+        <p:txBody>
+          <a:bodyPr/>
+          <a:lstStyle/>
+          <a:p>
+            <a:pPr marL="0" indent="0">
+              <a:buNone/>
+            </a:pPr>
+            <a:r>
+              <a:rPr lang="en-US" b="1" dirty="0"/>
+              <a:t>Topic: Stacked Overflow</a:t>
+            </a:r>
+          </a:p>
+          <a:p>
+            <a:endParaRPr lang="en-US" dirty="0"/>
+          </a:p>
+          <a:p>
+            <a:pPr lvl="1"/>
+            <a:r>
+              <a:rPr lang="en-US" b="1" dirty="0"/>
+              <a:t>Project Description/Outline</a:t>
+            </a:r>
+            <a:endParaRPr lang="en-US" sz="1800" dirty="0"/>
+          </a:p>
+          <a:p>
+            <a:pPr lvl="2"/>
+            <a:r>
+              <a:rPr lang="en-US" dirty="0"/>
+              <a:t>First, we will be sorting the data-frame for the most popular types of questions in Python.</a:t>
+            </a:r>
+          </a:p>
+          <a:p>
+            <a:pPr lvl="2"/>
+            <a:r>
+              <a:rPr lang="en-US" dirty="0"/>
+              <a:t>Second, we will study the correlation between most upvoted questions and downvoted questions along with their corresponding answers.</a:t>
+            </a:r>
+          </a:p>
+          <a:p>
+            <a:pPr lvl="2"/>
+            <a:r>
+              <a:rPr lang="en-US" dirty="0"/>
+              <a:t>Third, we will be comparing the average time it takes to answer the most/least popular tagged questions.</a:t>
+            </a:r>
+          </a:p>
+          <a:p>
+            <a:pPr marL="0" indent="0">
+              <a:buNone/>
+            </a:pPr>
+            <a:endParaRPr lang="en-US" dirty="0"/>
+          </a:p>
+        </p:txBody>
+      </p:sp>
+    </p:spTree>
+    <p:extLst>
+      <p:ext uri="{BB962C8B-B14F-4D97-AF65-F5344CB8AC3E}">
+        <p14:creationId xmlns:p14="http://schemas.microsoft.com/office/powerpoint/2010/main" val="2029544248"/>
+      </p:ext>
+    </p:extLst>
+  </p:cSld>
+  <p:clrMapOvr>
+    <a:masterClrMapping/>
+  </p:clrMapOvr>
+</p:sld>
+</file>
+
+<file path=ppt/slides/slide3.xml><?xml version="1.0" encoding="utf-8"?>
+<p:sld xmlns:a="http://schemas.openxmlformats.org/drawingml/2006/main" xmlns:r="http://schemas.openxmlformats.org/officeDocument/2006/relationships" xmlns:p="http://schemas.openxmlformats.org/presentationml/2006/main">
+  <p:cSld>
+    <p:spTree>
+      <p:nvGrpSpPr>
+        <p:cNvPr id="1" name=""/>
+        <p:cNvGrpSpPr/>
+        <p:nvPr/>
+      </p:nvGrpSpPr>
+      <p:grpSpPr>
+        <a:xfrm>
+          <a:off x="0" y="0"/>
+          <a:ext cx="0" cy="0"/>
+          <a:chOff x="0" y="0"/>
+          <a:chExt cx="0" cy="0"/>
+        </a:xfrm>
+      </p:grpSpPr>
+      <p:sp>
+        <p:nvSpPr>
+          <p:cNvPr id="2" name="Title 1">
+            <a:extLst>
+              <a:ext uri="{FF2B5EF4-FFF2-40B4-BE49-F238E27FC236}">
+                <a16:creationId xmlns:a16="http://schemas.microsoft.com/office/drawing/2014/main" id="{4ECEFB35-6FD7-3244-A6AE-5E9E767D1B3B}"/>
+              </a:ext>
+            </a:extLst>
+          </p:cNvPr>
+          <p:cNvSpPr>
+            <a:spLocks noGrp="1"/>
+          </p:cNvSpPr>
+          <p:nvPr>
+            <p:ph type="title"/>
+          </p:nvPr>
+        </p:nvSpPr>
+        <p:spPr>
+          <a:xfrm>
+            <a:off x="1788175" y="569065"/>
+            <a:ext cx="8610600" cy="1293028"/>
+          </a:xfrm>
+        </p:spPr>
+        <p:txBody>
+          <a:bodyPr/>
+          <a:lstStyle/>
+          <a:p>
+            <a:pPr algn="ctr"/>
+            <a:r>
+              <a:rPr lang="en-US" b="1" dirty="0"/>
+              <a:t>Research</a:t>
+            </a:r>
+            <a:r>
+              <a:rPr lang="en-US" dirty="0"/>
+              <a:t> </a:t>
+            </a:r>
+            <a:r>
+              <a:rPr lang="en-US" b="1" dirty="0"/>
+              <a:t>Questions</a:t>
+            </a:r>
+          </a:p>
+        </p:txBody>
+      </p:sp>
+      <p:sp>
+        <p:nvSpPr>
+          <p:cNvPr id="3" name="Content Placeholder 2">
+            <a:extLst>
+              <a:ext uri="{FF2B5EF4-FFF2-40B4-BE49-F238E27FC236}">
+                <a16:creationId xmlns:a16="http://schemas.microsoft.com/office/drawing/2014/main" id="{41C54E3B-7E74-B646-AEC8-A921C7DED514}"/>
+              </a:ext>
+            </a:extLst>
+          </p:cNvPr>
+          <p:cNvSpPr>
+            <a:spLocks noGrp="1"/>
+          </p:cNvSpPr>
+          <p:nvPr>
+            <p:ph idx="1"/>
+          </p:nvPr>
+        </p:nvSpPr>
+        <p:spPr>
+          <a:xfrm>
+            <a:off x="392837" y="1564245"/>
+            <a:ext cx="10820400" cy="4024125"/>
+          </a:xfrm>
+        </p:spPr>
+        <p:txBody>
+          <a:bodyPr>
+            <a:normAutofit lnSpcReduction="10000"/>
+          </a:bodyPr>
+          <a:lstStyle/>
+          <a:p>
+            <a:endParaRPr lang="en-US" sz="2400" dirty="0"/>
+          </a:p>
+          <a:p>
+            <a:pPr marL="1428750" lvl="2" indent="-514350">
+              <a:buFont typeface="+mj-lt"/>
+              <a:buAutoNum type="arabicPeriod"/>
+            </a:pPr>
+            <a:r>
+              <a:rPr lang="en-US" sz="3000" dirty="0"/>
+              <a:t>What is the average time it took to answer the questions?</a:t>
+            </a:r>
+          </a:p>
+          <a:p>
+            <a:pPr marL="1428750" lvl="2" indent="-514350">
+              <a:buFont typeface="+mj-lt"/>
+              <a:buAutoNum type="arabicPeriod"/>
+            </a:pPr>
+            <a:r>
+              <a:rPr lang="en-US" sz="3000" dirty="0"/>
+              <a:t>What is the most and least popular libraries?  </a:t>
+            </a:r>
+          </a:p>
+          <a:p>
+            <a:pPr marL="1428750" lvl="2" indent="-514350">
+              <a:buFont typeface="+mj-lt"/>
+              <a:buAutoNum type="arabicPeriod"/>
+            </a:pPr>
+            <a:r>
+              <a:rPr lang="en-US" sz="3000" dirty="0"/>
+              <a:t>What is the average score per tag?</a:t>
+            </a:r>
+          </a:p>
+          <a:p>
+            <a:pPr marL="1428750" lvl="2" indent="-514350">
+              <a:buFont typeface="+mj-lt"/>
+              <a:buAutoNum type="arabicPeriod"/>
+            </a:pPr>
+            <a:r>
+              <a:rPr lang="en-US" sz="3000" dirty="0"/>
+              <a:t>What is the correlation between the most upvoted questions and their answers.</a:t>
+            </a:r>
+          </a:p>
+          <a:p>
+            <a:pPr marL="1428750" lvl="2" indent="-514350">
+              <a:buFont typeface="+mj-lt"/>
+              <a:buAutoNum type="arabicPeriod"/>
+            </a:pPr>
+            <a:r>
+              <a:rPr lang="en-US" sz="3000" dirty="0"/>
+              <a:t>What is the correlation between the most downvoted questions and their answers.</a:t>
+            </a:r>
+          </a:p>
+          <a:p>
+            <a:pPr lvl="2"/>
+            <a:endParaRPr lang="en-US" sz="1600" dirty="0"/>
+          </a:p>
+          <a:p>
+            <a:endParaRPr lang="en-US" dirty="0"/>
+          </a:p>
+        </p:txBody>
+      </p:sp>
+    </p:spTree>
+    <p:extLst>
+      <p:ext uri="{BB962C8B-B14F-4D97-AF65-F5344CB8AC3E}">
+        <p14:creationId xmlns:p14="http://schemas.microsoft.com/office/powerpoint/2010/main" val="864941595"/>
+      </p:ext>
+    </p:extLst>
+  </p:cSld>
+  <p:clrMapOvr>
+    <a:masterClrMapping/>
+  </p:clrMapOvr>
+</p:sld>
+</file>
+
+<file path=ppt/slides/slide4.xml><?xml version="1.0" encoding="utf-8"?>
+<p:sld xmlns:a="http://schemas.openxmlformats.org/drawingml/2006/main" xmlns:r="http://schemas.openxmlformats.org/officeDocument/2006/relationships" xmlns:p="http://schemas.openxmlformats.org/presentationml/2006/main">
+  <p:cSld>
+    <p:spTree>
+      <p:nvGrpSpPr>
+        <p:cNvPr id="1" name=""/>
+        <p:cNvGrpSpPr/>
+        <p:nvPr/>
+      </p:nvGrpSpPr>
+      <p:grpSpPr>
+        <a:xfrm>
+          <a:off x="0" y="0"/>
+          <a:ext cx="0" cy="0"/>
+          <a:chOff x="0" y="0"/>
+          <a:chExt cx="0" cy="0"/>
+        </a:xfrm>
+      </p:grpSpPr>
+      <p:sp>
+        <p:nvSpPr>
+          <p:cNvPr id="2" name="Title 1">
+            <a:extLst>
+              <a:ext uri="{FF2B5EF4-FFF2-40B4-BE49-F238E27FC236}">
+                <a16:creationId xmlns:a16="http://schemas.microsoft.com/office/drawing/2014/main" id="{0C8F003D-435B-9644-8ECC-244804A6F46D}"/>
+              </a:ext>
+            </a:extLst>
+          </p:cNvPr>
+          <p:cNvSpPr>
+            <a:spLocks noGrp="1"/>
+          </p:cNvSpPr>
+          <p:nvPr>
+            <p:ph type="title"/>
+          </p:nvPr>
+        </p:nvSpPr>
+        <p:spPr>
+          <a:xfrm>
+            <a:off x="1783160" y="719092"/>
+            <a:ext cx="8610600" cy="1267288"/>
+          </a:xfrm>
+        </p:spPr>
+        <p:txBody>
+          <a:bodyPr/>
+          <a:lstStyle/>
+          <a:p>
+            <a:pPr algn="ctr"/>
+            <a:r>
+              <a:rPr lang="en-US" b="1" dirty="0"/>
+              <a:t>Hypothesis</a:t>
+            </a:r>
+          </a:p>
+        </p:txBody>
+      </p:sp>
+      <p:sp>
+        <p:nvSpPr>
+          <p:cNvPr id="3" name="Content Placeholder 2">
+            <a:extLst>
+              <a:ext uri="{FF2B5EF4-FFF2-40B4-BE49-F238E27FC236}">
+                <a16:creationId xmlns:a16="http://schemas.microsoft.com/office/drawing/2014/main" id="{AD8197BB-088A-B34A-9740-A119AB8DB794}"/>
+              </a:ext>
+            </a:extLst>
+          </p:cNvPr>
+          <p:cNvSpPr>
+            <a:spLocks noGrp="1"/>
+          </p:cNvSpPr>
+          <p:nvPr>
+            <p:ph idx="1"/>
+          </p:nvPr>
+        </p:nvSpPr>
+        <p:spPr/>
+        <p:txBody>
+          <a:bodyPr>
+            <a:normAutofit/>
+          </a:bodyPr>
+          <a:lstStyle/>
+          <a:p>
+            <a:pPr marL="0" indent="0" algn="ctr">
+              <a:buNone/>
+            </a:pPr>
+            <a:r>
+              <a:rPr lang="en-US" sz="4000" i="1" dirty="0"/>
+              <a:t>Higher Question Scores are associated with higher Answers Scores.</a:t>
+            </a:r>
+          </a:p>
+          <a:p>
+            <a:r>
+              <a:rPr lang="en-US" sz="2800" dirty="0"/>
+              <a:t>Methodology:</a:t>
+            </a:r>
+          </a:p>
+          <a:p>
+            <a:pPr lvl="1"/>
+            <a:r>
+              <a:rPr lang="en-US" sz="2600" dirty="0"/>
+              <a:t>Bar Graphs</a:t>
+            </a:r>
+          </a:p>
+          <a:p>
+            <a:pPr lvl="1"/>
+            <a:r>
+              <a:rPr lang="en-US" sz="2600" dirty="0"/>
+              <a:t>Scatter Plots</a:t>
+            </a:r>
+          </a:p>
+          <a:p>
+            <a:pPr lvl="1"/>
+            <a:r>
+              <a:rPr lang="en-US" sz="2600" dirty="0"/>
+              <a:t>Simple Regressions</a:t>
+            </a:r>
+          </a:p>
+          <a:p>
+            <a:pPr lvl="1"/>
+            <a:r>
+              <a:rPr lang="en-US" sz="2600" dirty="0"/>
+              <a:t>Multi-Variant Regression</a:t>
+            </a:r>
+          </a:p>
+        </p:txBody>
+      </p:sp>
+    </p:spTree>
+    <p:extLst>
+      <p:ext uri="{BB962C8B-B14F-4D97-AF65-F5344CB8AC3E}">
+        <p14:creationId xmlns:p14="http://schemas.microsoft.com/office/powerpoint/2010/main" val="3235830983"/>
+      </p:ext>
+    </p:extLst>
+  </p:cSld>
+  <p:clrMapOvr>
+    <a:masterClrMapping/>
+  </p:clrMapOvr>
+</p:sld>
+</file>
+
+<file path=ppt/slides/slide5.xml><?xml version="1.0" encoding="utf-8"?>
+<p:sld xmlns:a="http://schemas.openxmlformats.org/drawingml/2006/main" xmlns:r="http://schemas.openxmlformats.org/officeDocument/2006/relationships" xmlns:p="http://schemas.openxmlformats.org/presentationml/2006/main">
+  <p:cSld>
+    <p:spTree>
+      <p:nvGrpSpPr>
+        <p:cNvPr id="1" name=""/>
+        <p:cNvGrpSpPr/>
+        <p:nvPr/>
+      </p:nvGrpSpPr>
+      <p:grpSpPr>
+        <a:xfrm>
+          <a:off x="0" y="0"/>
+          <a:ext cx="0" cy="0"/>
+          <a:chOff x="0" y="0"/>
+          <a:chExt cx="0" cy="0"/>
+        </a:xfrm>
+      </p:grpSpPr>
+      <p:sp>
+        <p:nvSpPr>
+          <p:cNvPr id="2" name="Title 1">
+            <a:extLst>
+              <a:ext uri="{FF2B5EF4-FFF2-40B4-BE49-F238E27FC236}">
+                <a16:creationId xmlns:a16="http://schemas.microsoft.com/office/drawing/2014/main" id="{F158E227-540D-5148-A04A-F67CE6DA8C9B}"/>
+              </a:ext>
+            </a:extLst>
+          </p:cNvPr>
+          <p:cNvSpPr>
+            <a:spLocks noGrp="1"/>
+          </p:cNvSpPr>
+          <p:nvPr>
+            <p:ph type="title"/>
+          </p:nvPr>
+        </p:nvSpPr>
+        <p:spPr>
+          <a:xfrm>
+            <a:off x="1809190" y="547095"/>
+            <a:ext cx="8610600" cy="1293028"/>
+          </a:xfrm>
+        </p:spPr>
+        <p:txBody>
+          <a:bodyPr/>
+          <a:lstStyle/>
+          <a:p>
+            <a:pPr algn="ctr"/>
+            <a:r>
+              <a:rPr lang="en-US" b="1" dirty="0"/>
+              <a:t>Population Scatter</a:t>
+            </a:r>
+            <a:r>
+              <a:rPr lang="en-US" dirty="0"/>
+              <a:t> </a:t>
+            </a:r>
+            <a:r>
+              <a:rPr lang="en-US" b="1" dirty="0"/>
+              <a:t>plot</a:t>
+            </a:r>
+            <a:r>
+              <a:rPr lang="en-US" dirty="0"/>
+              <a:t> </a:t>
+            </a:r>
+          </a:p>
+        </p:txBody>
+      </p:sp>
+      <p:pic>
+        <p:nvPicPr>
+          <p:cNvPr id="5" name="Picture 4">
+            <a:extLst>
+              <a:ext uri="{FF2B5EF4-FFF2-40B4-BE49-F238E27FC236}">
+                <a16:creationId xmlns:a16="http://schemas.microsoft.com/office/drawing/2014/main" id="{0C6EF13D-50A0-F84B-A011-239B47786423}"/>
+              </a:ext>
+            </a:extLst>
+          </p:cNvPr>
+          <p:cNvPicPr>
+            <a:picLocks noChangeAspect="1"/>
+          </p:cNvPicPr>
+          <p:nvPr/>
         </p:nvPicPr>
         <p:blipFill>
           <a:blip r:embed="rId3"/>
@@ -6704,17 +7162,20 @@
         </p:blipFill>
         <p:spPr>
           <a:xfrm>
-            <a:off x="2720549" y="1330707"/>
+            <a:off x="2984500" y="1769688"/>
             <a:ext cx="6223000" cy="3695700"/>
           </a:xfrm>
+          <a:prstGeom prst="rect">
+            <a:avLst/>
+          </a:prstGeom>
         </p:spPr>
       </p:pic>
       <p:pic>
         <p:nvPicPr>
-          <p:cNvPr id="8" name="Content Placeholder 4">
+          <p:cNvPr id="8" name="Picture 7">
             <a:extLst>
               <a:ext uri="{FF2B5EF4-FFF2-40B4-BE49-F238E27FC236}">
-                <a16:creationId xmlns:a16="http://schemas.microsoft.com/office/drawing/2014/main" id="{E47E8EEC-E933-6B4D-8437-3DB5B13EA054}"/>
+                <a16:creationId xmlns:a16="http://schemas.microsoft.com/office/drawing/2014/main" id="{9AA4F80C-E641-BB4C-BB63-F0EFA587D424}"/>
               </a:ext>
             </a:extLst>
           </p:cNvPr>
@@ -6731,8 +7192,8 @@
         </p:blipFill>
         <p:spPr>
           <a:xfrm>
-            <a:off x="2720549" y="1330707"/>
-            <a:ext cx="6223000" cy="3705731"/>
+            <a:off x="2984500" y="1769690"/>
+            <a:ext cx="6223000" cy="3695700"/>
           </a:xfrm>
           <a:prstGeom prst="rect">
             <a:avLst/>
@@ -6742,7 +7203,7 @@
     </p:spTree>
     <p:extLst>
       <p:ext uri="{BB962C8B-B14F-4D97-AF65-F5344CB8AC3E}">
-        <p14:creationId xmlns:p14="http://schemas.microsoft.com/office/powerpoint/2010/main" val="1160229992"/>
+        <p14:creationId xmlns:p14="http://schemas.microsoft.com/office/powerpoint/2010/main" val="1124823927"/>
       </p:ext>
     </p:extLst>
   </p:cSld>
@@ -6873,974 +7334,6 @@
 </p:sld>
 </file>
 
-<file path=ppt/slides/slide11.xml><?xml version="1.0" encoding="utf-8"?>
-<p:sld xmlns:a="http://schemas.openxmlformats.org/drawingml/2006/main" xmlns:r="http://schemas.openxmlformats.org/officeDocument/2006/relationships" xmlns:p="http://schemas.openxmlformats.org/presentationml/2006/main">
-  <p:cSld>
-    <p:spTree>
-      <p:nvGrpSpPr>
-        <p:cNvPr id="1" name=""/>
-        <p:cNvGrpSpPr/>
-        <p:nvPr/>
-      </p:nvGrpSpPr>
-      <p:grpSpPr>
-        <a:xfrm>
-          <a:off x="0" y="0"/>
-          <a:ext cx="0" cy="0"/>
-          <a:chOff x="0" y="0"/>
-          <a:chExt cx="0" cy="0"/>
-        </a:xfrm>
-      </p:grpSpPr>
-      <p:sp>
-        <p:nvSpPr>
-          <p:cNvPr id="2" name="Title 1">
-            <a:extLst>
-              <a:ext uri="{FF2B5EF4-FFF2-40B4-BE49-F238E27FC236}">
-                <a16:creationId xmlns:a16="http://schemas.microsoft.com/office/drawing/2014/main" id="{745F7E20-1EB1-944A-B4D8-FD6FD36C21BD}"/>
-              </a:ext>
-            </a:extLst>
-          </p:cNvPr>
-          <p:cNvSpPr>
-            <a:spLocks noGrp="1"/>
-          </p:cNvSpPr>
-          <p:nvPr>
-            <p:ph type="title"/>
-          </p:nvPr>
-        </p:nvSpPr>
-        <p:spPr>
-          <a:xfrm>
-            <a:off x="1791082" y="0"/>
-            <a:ext cx="8610600" cy="1293028"/>
-          </a:xfrm>
-        </p:spPr>
-        <p:txBody>
-          <a:bodyPr/>
-          <a:lstStyle/>
-          <a:p>
-            <a:pPr algn="ctr"/>
-            <a:r>
-              <a:rPr lang="en-US" b="1" dirty="0"/>
-              <a:t>Simple Population Regression  </a:t>
-            </a:r>
-          </a:p>
-        </p:txBody>
-      </p:sp>
-      <p:pic>
-        <p:nvPicPr>
-          <p:cNvPr id="5" name="Content Placeholder 4">
-            <a:extLst>
-              <a:ext uri="{FF2B5EF4-FFF2-40B4-BE49-F238E27FC236}">
-                <a16:creationId xmlns:a16="http://schemas.microsoft.com/office/drawing/2014/main" id="{33D30697-901A-514C-8567-99CF5353D131}"/>
-              </a:ext>
-            </a:extLst>
-          </p:cNvPr>
-          <p:cNvPicPr>
-            <a:picLocks noGrp="1" noChangeAspect="1"/>
-          </p:cNvPicPr>
-          <p:nvPr>
-            <p:ph idx="1"/>
-          </p:nvPr>
-        </p:nvPicPr>
-        <p:blipFill>
-          <a:blip r:embed="rId2"/>
-          <a:stretch>
-            <a:fillRect/>
-          </a:stretch>
-        </p:blipFill>
-        <p:spPr>
-          <a:xfrm>
-            <a:off x="763" y="1293028"/>
-            <a:ext cx="4401395" cy="4553459"/>
-          </a:xfrm>
-        </p:spPr>
-      </p:pic>
-      <p:pic>
-        <p:nvPicPr>
-          <p:cNvPr id="7" name="Picture 6">
-            <a:extLst>
-              <a:ext uri="{FF2B5EF4-FFF2-40B4-BE49-F238E27FC236}">
-                <a16:creationId xmlns:a16="http://schemas.microsoft.com/office/drawing/2014/main" id="{37F965A7-33A1-1945-A0A6-CCD54346C969}"/>
-              </a:ext>
-            </a:extLst>
-          </p:cNvPr>
-          <p:cNvPicPr>
-            <a:picLocks noChangeAspect="1"/>
-          </p:cNvPicPr>
-          <p:nvPr/>
-        </p:nvPicPr>
-        <p:blipFill>
-          <a:blip r:embed="rId3"/>
-          <a:stretch>
-            <a:fillRect/>
-          </a:stretch>
-        </p:blipFill>
-        <p:spPr>
-          <a:xfrm>
-            <a:off x="3890684" y="1293029"/>
-            <a:ext cx="8301315" cy="4553458"/>
-          </a:xfrm>
-          <a:prstGeom prst="rect">
-            <a:avLst/>
-          </a:prstGeom>
-        </p:spPr>
-      </p:pic>
-    </p:spTree>
-    <p:extLst>
-      <p:ext uri="{BB962C8B-B14F-4D97-AF65-F5344CB8AC3E}">
-        <p14:creationId xmlns:p14="http://schemas.microsoft.com/office/powerpoint/2010/main" val="3094059432"/>
-      </p:ext>
-    </p:extLst>
-  </p:cSld>
-  <p:clrMapOvr>
-    <a:masterClrMapping/>
-  </p:clrMapOvr>
-</p:sld>
-</file>
-
-<file path=ppt/slides/slide12.xml><?xml version="1.0" encoding="utf-8"?>
-<p:sld xmlns:a="http://schemas.openxmlformats.org/drawingml/2006/main" xmlns:r="http://schemas.openxmlformats.org/officeDocument/2006/relationships" xmlns:p="http://schemas.openxmlformats.org/presentationml/2006/main">
-  <p:cSld>
-    <p:spTree>
-      <p:nvGrpSpPr>
-        <p:cNvPr id="1" name=""/>
-        <p:cNvGrpSpPr/>
-        <p:nvPr/>
-      </p:nvGrpSpPr>
-      <p:grpSpPr>
-        <a:xfrm>
-          <a:off x="0" y="0"/>
-          <a:ext cx="0" cy="0"/>
-          <a:chOff x="0" y="0"/>
-          <a:chExt cx="0" cy="0"/>
-        </a:xfrm>
-      </p:grpSpPr>
-      <p:sp>
-        <p:nvSpPr>
-          <p:cNvPr id="2" name="Title 1">
-            <a:extLst>
-              <a:ext uri="{FF2B5EF4-FFF2-40B4-BE49-F238E27FC236}">
-                <a16:creationId xmlns:a16="http://schemas.microsoft.com/office/drawing/2014/main" id="{6F9ED1CD-40D8-A947-8677-F53AD4ADDF70}"/>
-              </a:ext>
-            </a:extLst>
-          </p:cNvPr>
-          <p:cNvSpPr>
-            <a:spLocks noGrp="1"/>
-          </p:cNvSpPr>
-          <p:nvPr>
-            <p:ph type="title"/>
-          </p:nvPr>
-        </p:nvSpPr>
-        <p:spPr>
-          <a:xfrm>
-            <a:off x="1780899" y="119935"/>
-            <a:ext cx="8610600" cy="1293028"/>
-          </a:xfrm>
-        </p:spPr>
-        <p:txBody>
-          <a:bodyPr/>
-          <a:lstStyle/>
-          <a:p>
-            <a:pPr algn="ctr"/>
-            <a:r>
-              <a:rPr lang="en-US" dirty="0"/>
-              <a:t>Multi-Variant Regression</a:t>
-            </a:r>
-          </a:p>
-        </p:txBody>
-      </p:sp>
-      <p:pic>
-        <p:nvPicPr>
-          <p:cNvPr id="5" name="Picture 4">
-            <a:extLst>
-              <a:ext uri="{FF2B5EF4-FFF2-40B4-BE49-F238E27FC236}">
-                <a16:creationId xmlns:a16="http://schemas.microsoft.com/office/drawing/2014/main" id="{27408783-381C-9649-8AB6-219E905956C5}"/>
-              </a:ext>
-            </a:extLst>
-          </p:cNvPr>
-          <p:cNvPicPr>
-            <a:picLocks noChangeAspect="1"/>
-          </p:cNvPicPr>
-          <p:nvPr/>
-        </p:nvPicPr>
-        <p:blipFill>
-          <a:blip r:embed="rId2"/>
-          <a:stretch>
-            <a:fillRect/>
-          </a:stretch>
-        </p:blipFill>
-        <p:spPr>
-          <a:xfrm>
-            <a:off x="3730708" y="1088571"/>
-            <a:ext cx="8461292" cy="4319453"/>
-          </a:xfrm>
-          <a:prstGeom prst="rect">
-            <a:avLst/>
-          </a:prstGeom>
-        </p:spPr>
-      </p:pic>
-      <p:pic>
-        <p:nvPicPr>
-          <p:cNvPr id="7" name="Picture 6">
-            <a:extLst>
-              <a:ext uri="{FF2B5EF4-FFF2-40B4-BE49-F238E27FC236}">
-                <a16:creationId xmlns:a16="http://schemas.microsoft.com/office/drawing/2014/main" id="{37F0DEC9-F963-4949-9EB7-D179C5411111}"/>
-              </a:ext>
-            </a:extLst>
-          </p:cNvPr>
-          <p:cNvPicPr>
-            <a:picLocks noChangeAspect="1"/>
-          </p:cNvPicPr>
-          <p:nvPr/>
-        </p:nvPicPr>
-        <p:blipFill>
-          <a:blip r:embed="rId3"/>
-          <a:stretch>
-            <a:fillRect/>
-          </a:stretch>
-        </p:blipFill>
-        <p:spPr>
-          <a:xfrm>
-            <a:off x="4278" y="1088571"/>
-            <a:ext cx="3726430" cy="4319453"/>
-          </a:xfrm>
-          <a:prstGeom prst="rect">
-            <a:avLst/>
-          </a:prstGeom>
-        </p:spPr>
-      </p:pic>
-    </p:spTree>
-    <p:extLst>
-      <p:ext uri="{BB962C8B-B14F-4D97-AF65-F5344CB8AC3E}">
-        <p14:creationId xmlns:p14="http://schemas.microsoft.com/office/powerpoint/2010/main" val="2115777796"/>
-      </p:ext>
-    </p:extLst>
-  </p:cSld>
-  <p:clrMapOvr>
-    <a:masterClrMapping/>
-  </p:clrMapOvr>
-</p:sld>
-</file>
-
-<file path=ppt/slides/slide13.xml><?xml version="1.0" encoding="utf-8"?>
-<p:sld xmlns:a="http://schemas.openxmlformats.org/drawingml/2006/main" xmlns:r="http://schemas.openxmlformats.org/officeDocument/2006/relationships" xmlns:p="http://schemas.openxmlformats.org/presentationml/2006/main">
-  <p:cSld>
-    <p:spTree>
-      <p:nvGrpSpPr>
-        <p:cNvPr id="1" name=""/>
-        <p:cNvGrpSpPr/>
-        <p:nvPr/>
-      </p:nvGrpSpPr>
-      <p:grpSpPr>
-        <a:xfrm>
-          <a:off x="0" y="0"/>
-          <a:ext cx="0" cy="0"/>
-          <a:chOff x="0" y="0"/>
-          <a:chExt cx="0" cy="0"/>
-        </a:xfrm>
-      </p:grpSpPr>
-      <p:sp>
-        <p:nvSpPr>
-          <p:cNvPr id="2" name="Title 1">
-            <a:extLst>
-              <a:ext uri="{FF2B5EF4-FFF2-40B4-BE49-F238E27FC236}">
-                <a16:creationId xmlns:a16="http://schemas.microsoft.com/office/drawing/2014/main" id="{0C559F4B-D0AB-9F49-A8D9-570FB789138E}"/>
-              </a:ext>
-            </a:extLst>
-          </p:cNvPr>
-          <p:cNvSpPr>
-            <a:spLocks noGrp="1"/>
-          </p:cNvSpPr>
-          <p:nvPr>
-            <p:ph type="title"/>
-          </p:nvPr>
-        </p:nvSpPr>
-        <p:spPr>
-          <a:xfrm>
-            <a:off x="1790700" y="506795"/>
-            <a:ext cx="8610600" cy="1293028"/>
-          </a:xfrm>
-        </p:spPr>
-        <p:txBody>
-          <a:bodyPr/>
-          <a:lstStyle/>
-          <a:p>
-            <a:pPr algn="ctr"/>
-            <a:r>
-              <a:rPr lang="en-US" b="1" dirty="0"/>
-              <a:t>Conclusion</a:t>
-            </a:r>
-          </a:p>
-        </p:txBody>
-      </p:sp>
-      <p:sp>
-        <p:nvSpPr>
-          <p:cNvPr id="3" name="Content Placeholder 2">
-            <a:extLst>
-              <a:ext uri="{FF2B5EF4-FFF2-40B4-BE49-F238E27FC236}">
-                <a16:creationId xmlns:a16="http://schemas.microsoft.com/office/drawing/2014/main" id="{2C2E11CD-0945-A343-8DC1-8E002D4DBE8B}"/>
-              </a:ext>
-            </a:extLst>
-          </p:cNvPr>
-          <p:cNvSpPr>
-            <a:spLocks noGrp="1"/>
-          </p:cNvSpPr>
-          <p:nvPr>
-            <p:ph idx="1"/>
-          </p:nvPr>
-        </p:nvSpPr>
-        <p:spPr/>
-        <p:txBody>
-          <a:bodyPr>
-            <a:normAutofit/>
-          </a:bodyPr>
-          <a:lstStyle/>
-          <a:p>
-            <a:r>
-              <a:rPr lang="en-US" sz="2800" dirty="0"/>
-              <a:t>Based on the Regressions we can see that there are more factors to take into consideration in order to establish a clear relationship between the most upvoted and downvoted questions and answers. Thus we need to perform further analysis by different categories in order to gain a better insight into the correlation between our data. </a:t>
-            </a:r>
-          </a:p>
-        </p:txBody>
-      </p:sp>
-    </p:spTree>
-    <p:extLst>
-      <p:ext uri="{BB962C8B-B14F-4D97-AF65-F5344CB8AC3E}">
-        <p14:creationId xmlns:p14="http://schemas.microsoft.com/office/powerpoint/2010/main" val="3719166335"/>
-      </p:ext>
-    </p:extLst>
-  </p:cSld>
-  <p:clrMapOvr>
-    <a:masterClrMapping/>
-  </p:clrMapOvr>
-</p:sld>
-</file>
-
-<file path=ppt/slides/slide2.xml><?xml version="1.0" encoding="utf-8"?>
-<p:sld xmlns:a="http://schemas.openxmlformats.org/drawingml/2006/main" xmlns:r="http://schemas.openxmlformats.org/officeDocument/2006/relationships" xmlns:p="http://schemas.openxmlformats.org/presentationml/2006/main">
-  <p:cSld>
-    <p:spTree>
-      <p:nvGrpSpPr>
-        <p:cNvPr id="1" name=""/>
-        <p:cNvGrpSpPr/>
-        <p:nvPr/>
-      </p:nvGrpSpPr>
-      <p:grpSpPr>
-        <a:xfrm>
-          <a:off x="0" y="0"/>
-          <a:ext cx="0" cy="0"/>
-          <a:chOff x="0" y="0"/>
-          <a:chExt cx="0" cy="0"/>
-        </a:xfrm>
-      </p:grpSpPr>
-      <p:sp>
-        <p:nvSpPr>
-          <p:cNvPr id="2" name="Title 1">
-            <a:extLst>
-              <a:ext uri="{FF2B5EF4-FFF2-40B4-BE49-F238E27FC236}">
-                <a16:creationId xmlns:a16="http://schemas.microsoft.com/office/drawing/2014/main" id="{95A5C40E-8379-5F47-B33B-C659EFF6AAE7}"/>
-              </a:ext>
-            </a:extLst>
-          </p:cNvPr>
-          <p:cNvSpPr>
-            <a:spLocks noGrp="1"/>
-          </p:cNvSpPr>
-          <p:nvPr>
-            <p:ph type="title"/>
-          </p:nvPr>
-        </p:nvSpPr>
-        <p:spPr>
-          <a:xfrm>
-            <a:off x="1800912" y="533553"/>
-            <a:ext cx="8610600" cy="1293028"/>
-          </a:xfrm>
-        </p:spPr>
-        <p:txBody>
-          <a:bodyPr/>
-          <a:lstStyle/>
-          <a:p>
-            <a:pPr algn="ctr"/>
-            <a:r>
-              <a:rPr lang="en-US" b="1" dirty="0"/>
-              <a:t>Introduction</a:t>
-            </a:r>
-          </a:p>
-        </p:txBody>
-      </p:sp>
-      <p:sp>
-        <p:nvSpPr>
-          <p:cNvPr id="3" name="Content Placeholder 2">
-            <a:extLst>
-              <a:ext uri="{FF2B5EF4-FFF2-40B4-BE49-F238E27FC236}">
-                <a16:creationId xmlns:a16="http://schemas.microsoft.com/office/drawing/2014/main" id="{D2ABFE3A-9E15-BB46-AC73-696EC9106456}"/>
-              </a:ext>
-            </a:extLst>
-          </p:cNvPr>
-          <p:cNvSpPr>
-            <a:spLocks noGrp="1"/>
-          </p:cNvSpPr>
-          <p:nvPr>
-            <p:ph idx="1"/>
-          </p:nvPr>
-        </p:nvSpPr>
-        <p:spPr>
-          <a:xfrm>
-            <a:off x="685800" y="2194560"/>
-            <a:ext cx="10820400" cy="4250628"/>
-          </a:xfrm>
-        </p:spPr>
-        <p:txBody>
-          <a:bodyPr/>
-          <a:lstStyle/>
-          <a:p>
-            <a:pPr marL="0" indent="0">
-              <a:buNone/>
-            </a:pPr>
-            <a:r>
-              <a:rPr lang="en-US" b="1" dirty="0"/>
-              <a:t>Topic: Stacked Overflow</a:t>
-            </a:r>
-          </a:p>
-          <a:p>
-            <a:endParaRPr lang="en-US" dirty="0"/>
-          </a:p>
-          <a:p>
-            <a:pPr lvl="1"/>
-            <a:r>
-              <a:rPr lang="en-US" b="1" dirty="0"/>
-              <a:t>Project Description/Outline</a:t>
-            </a:r>
-            <a:endParaRPr lang="en-US" sz="1800" dirty="0"/>
-          </a:p>
-          <a:p>
-            <a:pPr lvl="2"/>
-            <a:r>
-              <a:rPr lang="en-US" dirty="0"/>
-              <a:t>First, we will be sorting the data-frame for the most popular types of questions in Python.</a:t>
-            </a:r>
-          </a:p>
-          <a:p>
-            <a:pPr lvl="2"/>
-            <a:r>
-              <a:rPr lang="en-US" dirty="0"/>
-              <a:t>Second, we will study the correlation between most upvoted questions and downvoted questions along with their corresponding answers.</a:t>
-            </a:r>
-          </a:p>
-          <a:p>
-            <a:pPr lvl="2"/>
-            <a:r>
-              <a:rPr lang="en-US" dirty="0"/>
-              <a:t>Third, we will be comparing the average time it takes to answer the most/least popular tagged questions.</a:t>
-            </a:r>
-          </a:p>
-          <a:p>
-            <a:pPr marL="0" indent="0">
-              <a:buNone/>
-            </a:pPr>
-            <a:endParaRPr lang="en-US" dirty="0"/>
-          </a:p>
-        </p:txBody>
-      </p:sp>
-    </p:spTree>
-    <p:extLst>
-      <p:ext uri="{BB962C8B-B14F-4D97-AF65-F5344CB8AC3E}">
-        <p14:creationId xmlns:p14="http://schemas.microsoft.com/office/powerpoint/2010/main" val="2029544248"/>
-      </p:ext>
-    </p:extLst>
-  </p:cSld>
-  <p:clrMapOvr>
-    <a:masterClrMapping/>
-  </p:clrMapOvr>
-</p:sld>
-</file>
-
-<file path=ppt/slides/slide3.xml><?xml version="1.0" encoding="utf-8"?>
-<p:sld xmlns:a="http://schemas.openxmlformats.org/drawingml/2006/main" xmlns:r="http://schemas.openxmlformats.org/officeDocument/2006/relationships" xmlns:p="http://schemas.openxmlformats.org/presentationml/2006/main">
-  <p:cSld>
-    <p:spTree>
-      <p:nvGrpSpPr>
-        <p:cNvPr id="1" name=""/>
-        <p:cNvGrpSpPr/>
-        <p:nvPr/>
-      </p:nvGrpSpPr>
-      <p:grpSpPr>
-        <a:xfrm>
-          <a:off x="0" y="0"/>
-          <a:ext cx="0" cy="0"/>
-          <a:chOff x="0" y="0"/>
-          <a:chExt cx="0" cy="0"/>
-        </a:xfrm>
-      </p:grpSpPr>
-      <p:sp>
-        <p:nvSpPr>
-          <p:cNvPr id="2" name="Title 1">
-            <a:extLst>
-              <a:ext uri="{FF2B5EF4-FFF2-40B4-BE49-F238E27FC236}">
-                <a16:creationId xmlns:a16="http://schemas.microsoft.com/office/drawing/2014/main" id="{4ECEFB35-6FD7-3244-A6AE-5E9E767D1B3B}"/>
-              </a:ext>
-            </a:extLst>
-          </p:cNvPr>
-          <p:cNvSpPr>
-            <a:spLocks noGrp="1"/>
-          </p:cNvSpPr>
-          <p:nvPr>
-            <p:ph type="title"/>
-          </p:nvPr>
-        </p:nvSpPr>
-        <p:spPr>
-          <a:xfrm>
-            <a:off x="1788175" y="569065"/>
-            <a:ext cx="8610600" cy="1293028"/>
-          </a:xfrm>
-        </p:spPr>
-        <p:txBody>
-          <a:bodyPr/>
-          <a:lstStyle/>
-          <a:p>
-            <a:pPr algn="ctr"/>
-            <a:r>
-              <a:rPr lang="en-US" b="1" dirty="0"/>
-              <a:t>Research</a:t>
-            </a:r>
-            <a:r>
-              <a:rPr lang="en-US" dirty="0"/>
-              <a:t> </a:t>
-            </a:r>
-            <a:r>
-              <a:rPr lang="en-US" b="1" dirty="0"/>
-              <a:t>Questions</a:t>
-            </a:r>
-          </a:p>
-        </p:txBody>
-      </p:sp>
-      <p:sp>
-        <p:nvSpPr>
-          <p:cNvPr id="3" name="Content Placeholder 2">
-            <a:extLst>
-              <a:ext uri="{FF2B5EF4-FFF2-40B4-BE49-F238E27FC236}">
-                <a16:creationId xmlns:a16="http://schemas.microsoft.com/office/drawing/2014/main" id="{41C54E3B-7E74-B646-AEC8-A921C7DED514}"/>
-              </a:ext>
-            </a:extLst>
-          </p:cNvPr>
-          <p:cNvSpPr>
-            <a:spLocks noGrp="1"/>
-          </p:cNvSpPr>
-          <p:nvPr>
-            <p:ph idx="1"/>
-          </p:nvPr>
-        </p:nvSpPr>
-        <p:spPr>
-          <a:xfrm>
-            <a:off x="392837" y="1564245"/>
-            <a:ext cx="10820400" cy="4024125"/>
-          </a:xfrm>
-        </p:spPr>
-        <p:txBody>
-          <a:bodyPr>
-            <a:normAutofit/>
-          </a:bodyPr>
-          <a:lstStyle/>
-          <a:p>
-            <a:endParaRPr lang="en-US" sz="2400" dirty="0"/>
-          </a:p>
-          <a:p>
-            <a:pPr marL="1428750" lvl="2" indent="-514350">
-              <a:buFont typeface="+mj-lt"/>
-              <a:buAutoNum type="arabicPeriod"/>
-            </a:pPr>
-            <a:r>
-              <a:rPr lang="en-US" sz="3000" dirty="0"/>
-              <a:t>What is the average time it took to answer the questions?</a:t>
-            </a:r>
-          </a:p>
-          <a:p>
-            <a:pPr marL="1428750" lvl="2" indent="-514350">
-              <a:buFont typeface="+mj-lt"/>
-              <a:buAutoNum type="arabicPeriod"/>
-            </a:pPr>
-            <a:r>
-              <a:rPr lang="en-US" sz="3000" dirty="0"/>
-              <a:t>What is the most and least popular libraries?  </a:t>
-            </a:r>
-          </a:p>
-          <a:p>
-            <a:pPr marL="1428750" lvl="2" indent="-514350">
-              <a:buFont typeface="+mj-lt"/>
-              <a:buAutoNum type="arabicPeriod"/>
-            </a:pPr>
-            <a:r>
-              <a:rPr lang="en-US" sz="3000" dirty="0"/>
-              <a:t>What is the average score per tag?</a:t>
-            </a:r>
-          </a:p>
-          <a:p>
-            <a:pPr marL="1428750" lvl="2" indent="-514350">
-              <a:buFont typeface="+mj-lt"/>
-              <a:buAutoNum type="arabicPeriod"/>
-            </a:pPr>
-            <a:r>
-              <a:rPr lang="en-US" sz="3000" dirty="0"/>
-              <a:t>What is the correlation between most upvoted questions and downvoted questions along with their corresponding answers?</a:t>
-            </a:r>
-          </a:p>
-          <a:p>
-            <a:pPr lvl="2"/>
-            <a:endParaRPr lang="en-US" sz="1600" dirty="0"/>
-          </a:p>
-          <a:p>
-            <a:endParaRPr lang="en-US" dirty="0"/>
-          </a:p>
-        </p:txBody>
-      </p:sp>
-    </p:spTree>
-    <p:extLst>
-      <p:ext uri="{BB962C8B-B14F-4D97-AF65-F5344CB8AC3E}">
-        <p14:creationId xmlns:p14="http://schemas.microsoft.com/office/powerpoint/2010/main" val="864941595"/>
-      </p:ext>
-    </p:extLst>
-  </p:cSld>
-  <p:clrMapOvr>
-    <a:masterClrMapping/>
-  </p:clrMapOvr>
-</p:sld>
-</file>
-
-<file path=ppt/slides/slide4.xml><?xml version="1.0" encoding="utf-8"?>
-<p:sld xmlns:a="http://schemas.openxmlformats.org/drawingml/2006/main" xmlns:r="http://schemas.openxmlformats.org/officeDocument/2006/relationships" xmlns:p="http://schemas.openxmlformats.org/presentationml/2006/main">
-  <p:cSld>
-    <p:spTree>
-      <p:nvGrpSpPr>
-        <p:cNvPr id="1" name=""/>
-        <p:cNvGrpSpPr/>
-        <p:nvPr/>
-      </p:nvGrpSpPr>
-      <p:grpSpPr>
-        <a:xfrm>
-          <a:off x="0" y="0"/>
-          <a:ext cx="0" cy="0"/>
-          <a:chOff x="0" y="0"/>
-          <a:chExt cx="0" cy="0"/>
-        </a:xfrm>
-      </p:grpSpPr>
-      <p:sp>
-        <p:nvSpPr>
-          <p:cNvPr id="2" name="Title 1">
-            <a:extLst>
-              <a:ext uri="{FF2B5EF4-FFF2-40B4-BE49-F238E27FC236}">
-                <a16:creationId xmlns:a16="http://schemas.microsoft.com/office/drawing/2014/main" id="{0C8F003D-435B-9644-8ECC-244804A6F46D}"/>
-              </a:ext>
-            </a:extLst>
-          </p:cNvPr>
-          <p:cNvSpPr>
-            <a:spLocks noGrp="1"/>
-          </p:cNvSpPr>
-          <p:nvPr>
-            <p:ph type="title"/>
-          </p:nvPr>
-        </p:nvSpPr>
-        <p:spPr>
-          <a:xfrm>
-            <a:off x="1783160" y="719092"/>
-            <a:ext cx="8610600" cy="1267288"/>
-          </a:xfrm>
-        </p:spPr>
-        <p:txBody>
-          <a:bodyPr/>
-          <a:lstStyle/>
-          <a:p>
-            <a:pPr algn="ctr"/>
-            <a:r>
-              <a:rPr lang="en-US" b="1" dirty="0"/>
-              <a:t>Hypothesis</a:t>
-            </a:r>
-          </a:p>
-        </p:txBody>
-      </p:sp>
-      <p:sp>
-        <p:nvSpPr>
-          <p:cNvPr id="3" name="Content Placeholder 2">
-            <a:extLst>
-              <a:ext uri="{FF2B5EF4-FFF2-40B4-BE49-F238E27FC236}">
-                <a16:creationId xmlns:a16="http://schemas.microsoft.com/office/drawing/2014/main" id="{AD8197BB-088A-B34A-9740-A119AB8DB794}"/>
-              </a:ext>
-            </a:extLst>
-          </p:cNvPr>
-          <p:cNvSpPr>
-            <a:spLocks noGrp="1"/>
-          </p:cNvSpPr>
-          <p:nvPr>
-            <p:ph idx="1"/>
-          </p:nvPr>
-        </p:nvSpPr>
-        <p:spPr/>
-        <p:txBody>
-          <a:bodyPr>
-            <a:normAutofit/>
-          </a:bodyPr>
-          <a:lstStyle/>
-          <a:p>
-            <a:pPr marL="0" indent="0" algn="ctr">
-              <a:buNone/>
-            </a:pPr>
-            <a:r>
-              <a:rPr lang="en-US" sz="4000" i="1" dirty="0"/>
-              <a:t>Higher Question Scores are associated with higher Answers Scores.</a:t>
-            </a:r>
-          </a:p>
-          <a:p>
-            <a:r>
-              <a:rPr lang="en-US" sz="2800" dirty="0"/>
-              <a:t>Methodology:</a:t>
-            </a:r>
-          </a:p>
-          <a:p>
-            <a:pPr lvl="1"/>
-            <a:r>
-              <a:rPr lang="en-US" sz="2600" dirty="0"/>
-              <a:t>Bar Graphs</a:t>
-            </a:r>
-          </a:p>
-          <a:p>
-            <a:pPr lvl="1"/>
-            <a:r>
-              <a:rPr lang="en-US" sz="2600" dirty="0"/>
-              <a:t>Scatter Plots</a:t>
-            </a:r>
-          </a:p>
-          <a:p>
-            <a:pPr lvl="1"/>
-            <a:r>
-              <a:rPr lang="en-US" sz="2600" dirty="0"/>
-              <a:t>Simple Regressions</a:t>
-            </a:r>
-          </a:p>
-          <a:p>
-            <a:pPr lvl="1"/>
-            <a:r>
-              <a:rPr lang="en-US" sz="2600" dirty="0"/>
-              <a:t>Multi-Variant Regression</a:t>
-            </a:r>
-          </a:p>
-        </p:txBody>
-      </p:sp>
-    </p:spTree>
-    <p:extLst>
-      <p:ext uri="{BB962C8B-B14F-4D97-AF65-F5344CB8AC3E}">
-        <p14:creationId xmlns:p14="http://schemas.microsoft.com/office/powerpoint/2010/main" val="3235830983"/>
-      </p:ext>
-    </p:extLst>
-  </p:cSld>
-  <p:clrMapOvr>
-    <a:masterClrMapping/>
-  </p:clrMapOvr>
-</p:sld>
-</file>
-
-<file path=ppt/slides/slide5.xml><?xml version="1.0" encoding="utf-8"?>
-<p:sld xmlns:a="http://schemas.openxmlformats.org/drawingml/2006/main" xmlns:r="http://schemas.openxmlformats.org/officeDocument/2006/relationships" xmlns:p="http://schemas.openxmlformats.org/presentationml/2006/main">
-  <p:cSld>
-    <p:spTree>
-      <p:nvGrpSpPr>
-        <p:cNvPr id="1" name=""/>
-        <p:cNvGrpSpPr/>
-        <p:nvPr/>
-      </p:nvGrpSpPr>
-      <p:grpSpPr>
-        <a:xfrm>
-          <a:off x="0" y="0"/>
-          <a:ext cx="0" cy="0"/>
-          <a:chOff x="0" y="0"/>
-          <a:chExt cx="0" cy="0"/>
-        </a:xfrm>
-      </p:grpSpPr>
-      <p:sp>
-        <p:nvSpPr>
-          <p:cNvPr id="2" name="Title 1">
-            <a:extLst>
-              <a:ext uri="{FF2B5EF4-FFF2-40B4-BE49-F238E27FC236}">
-                <a16:creationId xmlns:a16="http://schemas.microsoft.com/office/drawing/2014/main" id="{B31074FE-C6CF-7646-BB08-509643C53118}"/>
-              </a:ext>
-            </a:extLst>
-          </p:cNvPr>
-          <p:cNvSpPr>
-            <a:spLocks noGrp="1"/>
-          </p:cNvSpPr>
-          <p:nvPr>
-            <p:ph type="title"/>
-          </p:nvPr>
-        </p:nvSpPr>
-        <p:spPr>
-          <a:xfrm>
-            <a:off x="1789752" y="311611"/>
-            <a:ext cx="8610600" cy="1293028"/>
-          </a:xfrm>
-        </p:spPr>
-        <p:txBody>
-          <a:bodyPr/>
-          <a:lstStyle/>
-          <a:p>
-            <a:pPr algn="ctr"/>
-            <a:r>
-              <a:rPr lang="en-US" b="1" dirty="0"/>
-              <a:t>Bar Graphs</a:t>
-            </a:r>
-          </a:p>
-        </p:txBody>
-      </p:sp>
-      <p:sp>
-        <p:nvSpPr>
-          <p:cNvPr id="7" name="TextBox 6">
-            <a:extLst>
-              <a:ext uri="{FF2B5EF4-FFF2-40B4-BE49-F238E27FC236}">
-                <a16:creationId xmlns:a16="http://schemas.microsoft.com/office/drawing/2014/main" id="{18FC39DC-4D9B-B642-95FB-FB86155CAE51}"/>
-              </a:ext>
-            </a:extLst>
-          </p:cNvPr>
-          <p:cNvSpPr txBox="1"/>
-          <p:nvPr/>
-        </p:nvSpPr>
-        <p:spPr>
-          <a:xfrm>
-            <a:off x="-1" y="4950460"/>
-            <a:ext cx="5209681" cy="923330"/>
-          </a:xfrm>
-          <a:prstGeom prst="rect">
-            <a:avLst/>
-          </a:prstGeom>
-          <a:noFill/>
-          <a:ln>
-            <a:noFill/>
-          </a:ln>
-        </p:spPr>
-        <p:txBody>
-          <a:bodyPr wrap="square" rtlCol="0">
-            <a:spAutoFit/>
-          </a:bodyPr>
-          <a:lstStyle/>
-          <a:p>
-            <a:pPr marL="285750" indent="-285750">
-              <a:buFont typeface="Arial" panose="020B0604020202020204" pitchFamily="34" charset="0"/>
-              <a:buChar char="•"/>
-            </a:pPr>
-            <a:r>
-              <a:rPr lang="en-US" b="1" dirty="0"/>
-              <a:t>This is the average time it took (days) to respond to questions per tag based on 30 most popular tags.</a:t>
-            </a:r>
-          </a:p>
-        </p:txBody>
-      </p:sp>
-      <p:pic>
-        <p:nvPicPr>
-          <p:cNvPr id="14" name="Content Placeholder 13">
-            <a:extLst>
-              <a:ext uri="{FF2B5EF4-FFF2-40B4-BE49-F238E27FC236}">
-                <a16:creationId xmlns:a16="http://schemas.microsoft.com/office/drawing/2014/main" id="{E1CB61BC-8C36-0940-AC0C-D7F3903FDF3C}"/>
-              </a:ext>
-            </a:extLst>
-          </p:cNvPr>
-          <p:cNvPicPr>
-            <a:picLocks noGrp="1" noChangeAspect="1"/>
-          </p:cNvPicPr>
-          <p:nvPr>
-            <p:ph idx="1"/>
-          </p:nvPr>
-        </p:nvPicPr>
-        <p:blipFill>
-          <a:blip r:embed="rId2"/>
-          <a:stretch>
-            <a:fillRect/>
-          </a:stretch>
-        </p:blipFill>
-        <p:spPr>
-          <a:xfrm>
-            <a:off x="0" y="1306068"/>
-            <a:ext cx="6229012" cy="3635253"/>
-          </a:xfrm>
-        </p:spPr>
-      </p:pic>
-      <p:pic>
-        <p:nvPicPr>
-          <p:cNvPr id="15" name="Content Placeholder 12">
-            <a:extLst>
-              <a:ext uri="{FF2B5EF4-FFF2-40B4-BE49-F238E27FC236}">
-                <a16:creationId xmlns:a16="http://schemas.microsoft.com/office/drawing/2014/main" id="{241D3739-CF00-044C-BB89-64C7AFCC5D09}"/>
-              </a:ext>
-            </a:extLst>
-          </p:cNvPr>
-          <p:cNvPicPr>
-            <a:picLocks noChangeAspect="1"/>
-          </p:cNvPicPr>
-          <p:nvPr/>
-        </p:nvPicPr>
-        <p:blipFill>
-          <a:blip r:embed="rId3"/>
-          <a:stretch>
-            <a:fillRect/>
-          </a:stretch>
-        </p:blipFill>
-        <p:spPr>
-          <a:xfrm>
-            <a:off x="5951095" y="1306068"/>
-            <a:ext cx="6239009" cy="3635253"/>
-          </a:xfrm>
-          <a:prstGeom prst="rect">
-            <a:avLst/>
-          </a:prstGeom>
-        </p:spPr>
-      </p:pic>
-      <p:sp>
-        <p:nvSpPr>
-          <p:cNvPr id="16" name="TextBox 15">
-            <a:extLst>
-              <a:ext uri="{FF2B5EF4-FFF2-40B4-BE49-F238E27FC236}">
-                <a16:creationId xmlns:a16="http://schemas.microsoft.com/office/drawing/2014/main" id="{D4977530-3C71-1249-A941-4D8F1EE7F445}"/>
-              </a:ext>
-            </a:extLst>
-          </p:cNvPr>
-          <p:cNvSpPr txBox="1"/>
-          <p:nvPr/>
-        </p:nvSpPr>
-        <p:spPr>
-          <a:xfrm>
-            <a:off x="6970426" y="4968570"/>
-            <a:ext cx="5209681" cy="923330"/>
-          </a:xfrm>
-          <a:prstGeom prst="rect">
-            <a:avLst/>
-          </a:prstGeom>
-          <a:noFill/>
-          <a:ln>
-            <a:noFill/>
-          </a:ln>
-        </p:spPr>
-        <p:txBody>
-          <a:bodyPr wrap="square" rtlCol="0">
-            <a:spAutoFit/>
-          </a:bodyPr>
-          <a:lstStyle/>
-          <a:p>
-            <a:pPr marL="285750" indent="-285750">
-              <a:buFont typeface="Arial" panose="020B0604020202020204" pitchFamily="34" charset="0"/>
-              <a:buChar char="•"/>
-            </a:pPr>
-            <a:r>
-              <a:rPr lang="en-US" b="1" dirty="0"/>
-              <a:t>This is the average time it took (days) to respond to questions per tag based on 30 least popular tags.</a:t>
-            </a:r>
-          </a:p>
-        </p:txBody>
-      </p:sp>
-    </p:spTree>
-    <p:extLst>
-      <p:ext uri="{BB962C8B-B14F-4D97-AF65-F5344CB8AC3E}">
-        <p14:creationId xmlns:p14="http://schemas.microsoft.com/office/powerpoint/2010/main" val="76012655"/>
-      </p:ext>
-    </p:extLst>
-  </p:cSld>
-  <p:clrMapOvr>
-    <a:masterClrMapping/>
-  </p:clrMapOvr>
-</p:sld>
-</file>
-
 <file path=ppt/slides/slide6.xml><?xml version="1.0" encoding="utf-8"?>
 <p:sld xmlns:a="http://schemas.openxmlformats.org/drawingml/2006/main" xmlns:r="http://schemas.openxmlformats.org/officeDocument/2006/relationships" xmlns:p="http://schemas.openxmlformats.org/presentationml/2006/main">
   <p:cSld>
@@ -7860,10 +7353,10 @@
       </p:grpSpPr>
       <p:pic>
         <p:nvPicPr>
-          <p:cNvPr id="10" name="Content Placeholder 9">
+          <p:cNvPr id="5" name="Content Placeholder 4">
             <a:extLst>
               <a:ext uri="{FF2B5EF4-FFF2-40B4-BE49-F238E27FC236}">
-                <a16:creationId xmlns:a16="http://schemas.microsoft.com/office/drawing/2014/main" id="{78F2DC40-B0CB-4347-8B43-8DA6BF2B81B0}"/>
+                <a16:creationId xmlns:a16="http://schemas.microsoft.com/office/drawing/2014/main" id="{6E0F4204-0AEF-2C42-AFCC-5960B6E5F62B}"/>
               </a:ext>
             </a:extLst>
           </p:cNvPr>
@@ -7873,6 +7366,33 @@
           <p:nvPr>
             <p:ph idx="1"/>
           </p:nvPr>
+        </p:nvPicPr>
+        <p:blipFill>
+          <a:blip r:embed="rId2"/>
+          <a:stretch>
+            <a:fillRect/>
+          </a:stretch>
+        </p:blipFill>
+        <p:spPr>
+          <a:xfrm>
+            <a:off x="2984500" y="2131987"/>
+            <a:ext cx="6223000" cy="3695700"/>
+          </a:xfrm>
+        </p:spPr>
+      </p:pic>
+      <p:pic>
+        <p:nvPicPr>
+          <p:cNvPr id="7" name="Picture 6">
+            <a:extLst>
+              <a:ext uri="{FF2B5EF4-FFF2-40B4-BE49-F238E27FC236}">
+                <a16:creationId xmlns:a16="http://schemas.microsoft.com/office/drawing/2014/main" id="{D42DE4F5-1FF7-D342-BDBF-24F38C19DC9E}"/>
+              </a:ext>
+            </a:extLst>
+          </p:cNvPr>
+          <p:cNvPicPr>
+            <a:picLocks noChangeAspect="1"/>
+          </p:cNvPicPr>
+          <p:nvPr/>
         </p:nvPicPr>
         <p:blipFill>
           <a:blip r:embed="rId3"/>
@@ -7882,73 +7402,23 @@
         </p:blipFill>
         <p:spPr>
           <a:xfrm>
-            <a:off x="1814701" y="1710975"/>
-            <a:ext cx="8474044" cy="4024313"/>
-          </a:xfrm>
+            <a:off x="2984500" y="2137330"/>
+            <a:ext cx="6223000" cy="3695700"/>
+          </a:xfrm>
+          <a:prstGeom prst="rect">
+            <a:avLst/>
+          </a:prstGeom>
         </p:spPr>
       </p:pic>
       <p:sp>
         <p:nvSpPr>
-          <p:cNvPr id="6" name="TextBox 5">
+          <p:cNvPr id="2" name="Title 1">
             <a:extLst>
               <a:ext uri="{FF2B5EF4-FFF2-40B4-BE49-F238E27FC236}">
-                <a16:creationId xmlns:a16="http://schemas.microsoft.com/office/drawing/2014/main" id="{2F58CEAC-1707-8547-8E0A-5880927EE1A2}"/>
+                <a16:creationId xmlns:a16="http://schemas.microsoft.com/office/drawing/2014/main" id="{F1C0DD03-8DCB-574D-A8F5-0C61B9FC7701}"/>
               </a:ext>
             </a:extLst>
           </p:cNvPr>
-          <p:cNvSpPr txBox="1"/>
-          <p:nvPr/>
-        </p:nvSpPr>
-        <p:spPr>
-          <a:xfrm>
-            <a:off x="6995430" y="2890320"/>
-            <a:ext cx="3078178" cy="1477328"/>
-          </a:xfrm>
-          <a:prstGeom prst="rect">
-            <a:avLst/>
-          </a:prstGeom>
-          <a:noFill/>
-          <a:ln>
-            <a:solidFill>
-              <a:schemeClr val="tx1"/>
-            </a:solidFill>
-          </a:ln>
-        </p:spPr>
-        <p:txBody>
-          <a:bodyPr wrap="square" rtlCol="0">
-            <a:spAutoFit/>
-          </a:bodyPr>
-          <a:lstStyle/>
-          <a:p>
-            <a:pPr marL="285750" indent="-285750">
-              <a:buFont typeface="Arial" panose="020B0604020202020204" pitchFamily="34" charset="0"/>
-              <a:buChar char="•"/>
-            </a:pPr>
-            <a:r>
-              <a:rPr lang="en-US" b="1" i="1" dirty="0">
-                <a:solidFill>
-                  <a:schemeClr val="bg1"/>
-                </a:solidFill>
-              </a:rPr>
-              <a:t>Scatter plot gives us an overview of the correlation between questions' and answers' scores</a:t>
-            </a:r>
-            <a:endParaRPr lang="en-US" b="1" dirty="0">
-              <a:solidFill>
-                <a:schemeClr val="bg1"/>
-              </a:solidFill>
-            </a:endParaRPr>
-          </a:p>
-        </p:txBody>
-      </p:sp>
-      <p:sp>
-        <p:nvSpPr>
-          <p:cNvPr id="2" name="Title 1">
-            <a:extLst>
-              <a:ext uri="{FF2B5EF4-FFF2-40B4-BE49-F238E27FC236}">
-                <a16:creationId xmlns:a16="http://schemas.microsoft.com/office/drawing/2014/main" id="{F158E227-540D-5148-A04A-F67CE6DA8C9B}"/>
-              </a:ext>
-            </a:extLst>
-          </p:cNvPr>
           <p:cNvSpPr>
             <a:spLocks noGrp="1"/>
           </p:cNvSpPr>
@@ -7958,7 +7428,7 @@
         </p:nvSpPr>
         <p:spPr>
           <a:xfrm>
-            <a:off x="1809190" y="547095"/>
+            <a:off x="1792663" y="764373"/>
             <a:ext cx="8610600" cy="1293028"/>
           </a:xfrm>
         </p:spPr>
@@ -7968,20 +7438,8 @@
           <a:p>
             <a:pPr algn="ctr"/>
             <a:r>
-              <a:rPr lang="en-US" b="1" dirty="0"/>
-              <a:t>Population Scatter</a:t>
-            </a:r>
-            <a:r>
               <a:rPr lang="en-US" dirty="0"/>
-              <a:t> </a:t>
-            </a:r>
-            <a:r>
-              <a:rPr lang="en-US" b="1" dirty="0"/>
-              <a:t>plot</a:t>
-            </a:r>
-            <a:r>
-              <a:rPr lang="en-US" dirty="0"/>
-              <a:t> </a:t>
+              <a:t>Most upvoted scatter plot</a:t>
             </a:r>
           </a:p>
         </p:txBody>
@@ -7989,13 +7447,134 @@
     </p:spTree>
     <p:extLst>
       <p:ext uri="{BB962C8B-B14F-4D97-AF65-F5344CB8AC3E}">
-        <p14:creationId xmlns:p14="http://schemas.microsoft.com/office/powerpoint/2010/main" val="1124823927"/>
+        <p14:creationId xmlns:p14="http://schemas.microsoft.com/office/powerpoint/2010/main" val="208098863"/>
       </p:ext>
     </p:extLst>
   </p:cSld>
   <p:clrMapOvr>
     <a:masterClrMapping/>
   </p:clrMapOvr>
+  <p:timing>
+    <p:tnLst>
+      <p:par>
+        <p:cTn id="1" dur="indefinite" restart="never" nodeType="tmRoot">
+          <p:childTnLst>
+            <p:seq concurrent="1" nextAc="seek">
+              <p:cTn id="2" dur="indefinite" nodeType="mainSeq">
+                <p:childTnLst>
+                  <p:par>
+                    <p:cTn id="3" fill="hold">
+                      <p:stCondLst>
+                        <p:cond delay="indefinite"/>
+                      </p:stCondLst>
+                      <p:childTnLst>
+                        <p:par>
+                          <p:cTn id="4" fill="hold">
+                            <p:stCondLst>
+                              <p:cond delay="0"/>
+                            </p:stCondLst>
+                            <p:childTnLst>
+                              <p:par>
+                                <p:cTn id="5" presetID="2" presetClass="entr" presetSubtype="4" fill="hold" nodeType="clickEffect">
+                                  <p:stCondLst>
+                                    <p:cond delay="0"/>
+                                  </p:stCondLst>
+                                  <p:childTnLst>
+                                    <p:set>
+                                      <p:cBhvr>
+                                        <p:cTn id="6" dur="1" fill="hold">
+                                          <p:stCondLst>
+                                            <p:cond delay="0"/>
+                                          </p:stCondLst>
+                                        </p:cTn>
+                                        <p:tgtEl>
+                                          <p:spTgt spid="7"/>
+                                        </p:tgtEl>
+                                        <p:attrNameLst>
+                                          <p:attrName>style.visibility</p:attrName>
+                                        </p:attrNameLst>
+                                      </p:cBhvr>
+                                      <p:to>
+                                        <p:strVal val="visible"/>
+                                      </p:to>
+                                    </p:set>
+                                    <p:anim calcmode="lin" valueType="num">
+                                      <p:cBhvr additive="base">
+                                        <p:cTn id="7" dur="500" fill="hold"/>
+                                        <p:tgtEl>
+                                          <p:spTgt spid="7"/>
+                                        </p:tgtEl>
+                                        <p:attrNameLst>
+                                          <p:attrName>ppt_x</p:attrName>
+                                        </p:attrNameLst>
+                                      </p:cBhvr>
+                                      <p:tavLst>
+                                        <p:tav tm="0">
+                                          <p:val>
+                                            <p:strVal val="#ppt_x"/>
+                                          </p:val>
+                                        </p:tav>
+                                        <p:tav tm="100000">
+                                          <p:val>
+                                            <p:strVal val="#ppt_x"/>
+                                          </p:val>
+                                        </p:tav>
+                                      </p:tavLst>
+                                    </p:anim>
+                                    <p:anim calcmode="lin" valueType="num">
+                                      <p:cBhvr additive="base">
+                                        <p:cTn id="8" dur="500" fill="hold"/>
+                                        <p:tgtEl>
+                                          <p:spTgt spid="7"/>
+                                        </p:tgtEl>
+                                        <p:attrNameLst>
+                                          <p:attrName>ppt_y</p:attrName>
+                                        </p:attrNameLst>
+                                      </p:cBhvr>
+                                      <p:tavLst>
+                                        <p:tav tm="0">
+                                          <p:val>
+                                            <p:strVal val="1+#ppt_h/2"/>
+                                          </p:val>
+                                        </p:tav>
+                                        <p:tav tm="100000">
+                                          <p:val>
+                                            <p:strVal val="#ppt_y"/>
+                                          </p:val>
+                                        </p:tav>
+                                      </p:tavLst>
+                                    </p:anim>
+                                  </p:childTnLst>
+                                </p:cTn>
+                              </p:par>
+                            </p:childTnLst>
+                          </p:cTn>
+                        </p:par>
+                      </p:childTnLst>
+                    </p:cTn>
+                  </p:par>
+                </p:childTnLst>
+              </p:cTn>
+              <p:prevCondLst>
+                <p:cond evt="onPrev" delay="0">
+                  <p:tgtEl>
+                    <p:sldTgt/>
+                  </p:tgtEl>
+                </p:cond>
+              </p:prevCondLst>
+              <p:nextCondLst>
+                <p:cond evt="onNext" delay="0">
+                  <p:tgtEl>
+                    <p:sldTgt/>
+                  </p:tgtEl>
+                </p:cond>
+              </p:nextCondLst>
+            </p:seq>
+          </p:childTnLst>
+        </p:cTn>
+      </p:par>
+    </p:tnLst>
+  </p:timing>
 </p:sld>
 </file>
 
@@ -8016,12 +7595,46 @@
           <a:chExt cx="0" cy="0"/>
         </a:xfrm>
       </p:grpSpPr>
+      <p:sp>
+        <p:nvSpPr>
+          <p:cNvPr id="2" name="Title 1">
+            <a:extLst>
+              <a:ext uri="{FF2B5EF4-FFF2-40B4-BE49-F238E27FC236}">
+                <a16:creationId xmlns:a16="http://schemas.microsoft.com/office/drawing/2014/main" id="{0C6313C5-F5E8-CD4D-844B-84341A84B4AC}"/>
+              </a:ext>
+            </a:extLst>
+          </p:cNvPr>
+          <p:cNvSpPr>
+            <a:spLocks noGrp="1"/>
+          </p:cNvSpPr>
+          <p:nvPr>
+            <p:ph type="title"/>
+          </p:nvPr>
+        </p:nvSpPr>
+        <p:spPr>
+          <a:xfrm>
+            <a:off x="1792660" y="764373"/>
+            <a:ext cx="8610600" cy="1293028"/>
+          </a:xfrm>
+        </p:spPr>
+        <p:txBody>
+          <a:bodyPr/>
+          <a:lstStyle/>
+          <a:p>
+            <a:pPr algn="ctr"/>
+            <a:r>
+              <a:rPr lang="en-US" dirty="0"/>
+              <a:t>Most downvoted Scatter plot</a:t>
+            </a:r>
+          </a:p>
+        </p:txBody>
+      </p:sp>
       <p:pic>
         <p:nvPicPr>
-          <p:cNvPr id="24" name="Content Placeholder 23">
+          <p:cNvPr id="5" name="Content Placeholder 4">
             <a:extLst>
               <a:ext uri="{FF2B5EF4-FFF2-40B4-BE49-F238E27FC236}">
-                <a16:creationId xmlns:a16="http://schemas.microsoft.com/office/drawing/2014/main" id="{2C756F41-A234-E542-A705-0744BE98647C}"/>
+                <a16:creationId xmlns:a16="http://schemas.microsoft.com/office/drawing/2014/main" id="{5744549C-8E7B-3644-B90D-1C657CF172BA}"/>
               </a:ext>
             </a:extLst>
           </p:cNvPr>
@@ -8040,114 +7653,15 @@
         </p:blipFill>
         <p:spPr>
           <a:xfrm>
-            <a:off x="671" y="1093381"/>
-            <a:ext cx="6897496" cy="4437995"/>
+            <a:off x="2993927" y="2047143"/>
+            <a:ext cx="6223000" cy="3695700"/>
           </a:xfrm>
         </p:spPr>
       </p:pic>
-      <p:pic>
-        <p:nvPicPr>
-          <p:cNvPr id="26" name="Picture 25">
-            <a:extLst>
-              <a:ext uri="{FF2B5EF4-FFF2-40B4-BE49-F238E27FC236}">
-                <a16:creationId xmlns:a16="http://schemas.microsoft.com/office/drawing/2014/main" id="{D10D20C7-E46F-9C42-9F41-5AE554BC1640}"/>
-              </a:ext>
-            </a:extLst>
-          </p:cNvPr>
-          <p:cNvPicPr>
-            <a:picLocks noChangeAspect="1"/>
-          </p:cNvPicPr>
-          <p:nvPr/>
-        </p:nvPicPr>
-        <p:blipFill>
-          <a:blip r:embed="rId3"/>
-          <a:stretch>
-            <a:fillRect/>
-          </a:stretch>
-        </p:blipFill>
-        <p:spPr>
-          <a:xfrm>
-            <a:off x="5714238" y="1093382"/>
-            <a:ext cx="6897498" cy="4437995"/>
-          </a:xfrm>
-          <a:prstGeom prst="rect">
-            <a:avLst/>
-          </a:prstGeom>
-        </p:spPr>
-      </p:pic>
-      <p:sp>
-        <p:nvSpPr>
-          <p:cNvPr id="27" name="Title 1">
-            <a:extLst>
-              <a:ext uri="{FF2B5EF4-FFF2-40B4-BE49-F238E27FC236}">
-                <a16:creationId xmlns:a16="http://schemas.microsoft.com/office/drawing/2014/main" id="{BE139270-8AA6-9742-8454-58E03C337819}"/>
-              </a:ext>
-            </a:extLst>
-          </p:cNvPr>
-          <p:cNvSpPr>
-            <a:spLocks noGrp="1"/>
-          </p:cNvSpPr>
-          <p:nvPr>
-            <p:ph type="title"/>
-          </p:nvPr>
-        </p:nvSpPr>
-        <p:spPr>
-          <a:xfrm>
-            <a:off x="1789427" y="106884"/>
-            <a:ext cx="8610600" cy="1293028"/>
-          </a:xfrm>
-        </p:spPr>
-        <p:txBody>
-          <a:bodyPr/>
-          <a:lstStyle/>
-          <a:p>
-            <a:pPr algn="ctr"/>
-            <a:r>
-              <a:rPr lang="en-US" b="1" dirty="0"/>
-              <a:t>Old Questions Bar Graph</a:t>
-            </a:r>
-          </a:p>
-        </p:txBody>
-      </p:sp>
-      <p:sp>
-        <p:nvSpPr>
-          <p:cNvPr id="28" name="TextBox 27">
-            <a:extLst>
-              <a:ext uri="{FF2B5EF4-FFF2-40B4-BE49-F238E27FC236}">
-                <a16:creationId xmlns:a16="http://schemas.microsoft.com/office/drawing/2014/main" id="{AB7F5590-0847-6248-A5B6-4606057F0CE3}"/>
-              </a:ext>
-            </a:extLst>
-          </p:cNvPr>
-          <p:cNvSpPr txBox="1"/>
-          <p:nvPr/>
-        </p:nvSpPr>
-        <p:spPr>
-          <a:xfrm>
-            <a:off x="299806" y="5606324"/>
-            <a:ext cx="5414432" cy="646331"/>
-          </a:xfrm>
-          <a:prstGeom prst="rect">
-            <a:avLst/>
-          </a:prstGeom>
-          <a:noFill/>
-        </p:spPr>
-        <p:txBody>
-          <a:bodyPr wrap="square" rtlCol="0">
-            <a:spAutoFit/>
-          </a:bodyPr>
-          <a:lstStyle/>
-          <a:p>
-            <a:r>
-              <a:rPr lang="en-US" dirty="0"/>
-              <a:t>Note: These are the questions that took more than a week to answer</a:t>
-            </a:r>
-          </a:p>
-        </p:txBody>
-      </p:sp>
     </p:spTree>
     <p:extLst>
       <p:ext uri="{BB962C8B-B14F-4D97-AF65-F5344CB8AC3E}">
-        <p14:creationId xmlns:p14="http://schemas.microsoft.com/office/powerpoint/2010/main" val="1976108691"/>
+        <p14:creationId xmlns:p14="http://schemas.microsoft.com/office/powerpoint/2010/main" val="664860955"/>
       </p:ext>
     </p:extLst>
   </p:cSld>
@@ -8174,12 +7688,46 @@
           <a:chExt cx="0" cy="0"/>
         </a:xfrm>
       </p:grpSpPr>
+      <p:sp>
+        <p:nvSpPr>
+          <p:cNvPr id="2" name="Title 1">
+            <a:extLst>
+              <a:ext uri="{FF2B5EF4-FFF2-40B4-BE49-F238E27FC236}">
+                <a16:creationId xmlns:a16="http://schemas.microsoft.com/office/drawing/2014/main" id="{CBCF302C-4F5C-A044-904A-88A4754AFE1B}"/>
+              </a:ext>
+            </a:extLst>
+          </p:cNvPr>
+          <p:cNvSpPr>
+            <a:spLocks noGrp="1"/>
+          </p:cNvSpPr>
+          <p:nvPr>
+            <p:ph type="title"/>
+          </p:nvPr>
+        </p:nvSpPr>
+        <p:spPr>
+          <a:xfrm>
+            <a:off x="1783231" y="764373"/>
+            <a:ext cx="8610600" cy="1293028"/>
+          </a:xfrm>
+        </p:spPr>
+        <p:txBody>
+          <a:bodyPr/>
+          <a:lstStyle/>
+          <a:p>
+            <a:pPr algn="ctr"/>
+            <a:r>
+              <a:rPr lang="en-US" dirty="0"/>
+              <a:t>Random Sample Scatter Plot</a:t>
+            </a:r>
+          </a:p>
+        </p:txBody>
+      </p:sp>
       <p:pic>
         <p:nvPicPr>
-          <p:cNvPr id="11" name="Content Placeholder 10">
+          <p:cNvPr id="5" name="Content Placeholder 4">
             <a:extLst>
               <a:ext uri="{FF2B5EF4-FFF2-40B4-BE49-F238E27FC236}">
-                <a16:creationId xmlns:a16="http://schemas.microsoft.com/office/drawing/2014/main" id="{F3AAA322-F2B5-8C4E-B8E7-FF390D101348}"/>
+                <a16:creationId xmlns:a16="http://schemas.microsoft.com/office/drawing/2014/main" id="{B0471B2C-DED2-BF4F-93CC-85A82ECA79A6}"/>
               </a:ext>
             </a:extLst>
           </p:cNvPr>
@@ -8198,114 +7746,15 @@
         </p:blipFill>
         <p:spPr>
           <a:xfrm>
-            <a:off x="0" y="1234555"/>
-            <a:ext cx="5977820" cy="4341786"/>
+            <a:off x="2975073" y="1962304"/>
+            <a:ext cx="6223000" cy="3695700"/>
           </a:xfrm>
         </p:spPr>
       </p:pic>
-      <p:pic>
-        <p:nvPicPr>
-          <p:cNvPr id="13" name="Picture 12">
-            <a:extLst>
-              <a:ext uri="{FF2B5EF4-FFF2-40B4-BE49-F238E27FC236}">
-                <a16:creationId xmlns:a16="http://schemas.microsoft.com/office/drawing/2014/main" id="{952C6A74-7F72-624F-8228-7F1969608F74}"/>
-              </a:ext>
-            </a:extLst>
-          </p:cNvPr>
-          <p:cNvPicPr>
-            <a:picLocks noChangeAspect="1"/>
-          </p:cNvPicPr>
-          <p:nvPr/>
-        </p:nvPicPr>
-        <p:blipFill>
-          <a:blip r:embed="rId3"/>
-          <a:stretch>
-            <a:fillRect/>
-          </a:stretch>
-        </p:blipFill>
-        <p:spPr>
-          <a:xfrm>
-            <a:off x="5771464" y="1234555"/>
-            <a:ext cx="6420536" cy="4341786"/>
-          </a:xfrm>
-          <a:prstGeom prst="rect">
-            <a:avLst/>
-          </a:prstGeom>
-        </p:spPr>
-      </p:pic>
-      <p:sp>
-        <p:nvSpPr>
-          <p:cNvPr id="15" name="Title 1">
-            <a:extLst>
-              <a:ext uri="{FF2B5EF4-FFF2-40B4-BE49-F238E27FC236}">
-                <a16:creationId xmlns:a16="http://schemas.microsoft.com/office/drawing/2014/main" id="{AD75B90A-E506-ED44-829B-EB8F4A91AF69}"/>
-              </a:ext>
-            </a:extLst>
-          </p:cNvPr>
-          <p:cNvSpPr>
-            <a:spLocks noGrp="1"/>
-          </p:cNvSpPr>
-          <p:nvPr>
-            <p:ph type="title"/>
-          </p:nvPr>
-        </p:nvSpPr>
-        <p:spPr>
-          <a:xfrm>
-            <a:off x="1789427" y="106884"/>
-            <a:ext cx="8610600" cy="1293028"/>
-          </a:xfrm>
-        </p:spPr>
-        <p:txBody>
-          <a:bodyPr/>
-          <a:lstStyle/>
-          <a:p>
-            <a:pPr algn="ctr"/>
-            <a:r>
-              <a:rPr lang="en-US" b="1" dirty="0"/>
-              <a:t>New Questions Bar Graph</a:t>
-            </a:r>
-          </a:p>
-        </p:txBody>
-      </p:sp>
-      <p:sp>
-        <p:nvSpPr>
-          <p:cNvPr id="16" name="TextBox 15">
-            <a:extLst>
-              <a:ext uri="{FF2B5EF4-FFF2-40B4-BE49-F238E27FC236}">
-                <a16:creationId xmlns:a16="http://schemas.microsoft.com/office/drawing/2014/main" id="{9AEB6656-D7A2-7B49-B8AF-A38EDC61C3AD}"/>
-              </a:ext>
-            </a:extLst>
-          </p:cNvPr>
-          <p:cNvSpPr txBox="1"/>
-          <p:nvPr/>
-        </p:nvSpPr>
-        <p:spPr>
-          <a:xfrm>
-            <a:off x="359764" y="5786203"/>
-            <a:ext cx="5261547" cy="646331"/>
-          </a:xfrm>
-          <a:prstGeom prst="rect">
-            <a:avLst/>
-          </a:prstGeom>
-          <a:noFill/>
-        </p:spPr>
-        <p:txBody>
-          <a:bodyPr wrap="square" rtlCol="0">
-            <a:spAutoFit/>
-          </a:bodyPr>
-          <a:lstStyle/>
-          <a:p>
-            <a:r>
-              <a:rPr lang="en-US" dirty="0"/>
-              <a:t>We are using the most recently posted questions.  Time interval of less than one week</a:t>
-            </a:r>
-          </a:p>
-        </p:txBody>
-      </p:sp>
     </p:spTree>
     <p:extLst>
       <p:ext uri="{BB962C8B-B14F-4D97-AF65-F5344CB8AC3E}">
-        <p14:creationId xmlns:p14="http://schemas.microsoft.com/office/powerpoint/2010/main" val="1986712722"/>
+        <p14:creationId xmlns:p14="http://schemas.microsoft.com/office/powerpoint/2010/main" val="907125883"/>
       </p:ext>
     </p:extLst>
   </p:cSld>
@@ -8332,12 +7781,46 @@
           <a:chExt cx="0" cy="0"/>
         </a:xfrm>
       </p:grpSpPr>
+      <p:sp>
+        <p:nvSpPr>
+          <p:cNvPr id="2" name="Title 1">
+            <a:extLst>
+              <a:ext uri="{FF2B5EF4-FFF2-40B4-BE49-F238E27FC236}">
+                <a16:creationId xmlns:a16="http://schemas.microsoft.com/office/drawing/2014/main" id="{9802F29B-F56C-2447-A308-E30D2CB8FD0F}"/>
+              </a:ext>
+            </a:extLst>
+          </p:cNvPr>
+          <p:cNvSpPr>
+            <a:spLocks noGrp="1"/>
+          </p:cNvSpPr>
+          <p:nvPr>
+            <p:ph type="title"/>
+          </p:nvPr>
+        </p:nvSpPr>
+        <p:spPr>
+          <a:xfrm>
+            <a:off x="1783239" y="708629"/>
+            <a:ext cx="8610600" cy="1293028"/>
+          </a:xfrm>
+        </p:spPr>
+        <p:txBody>
+          <a:bodyPr/>
+          <a:lstStyle/>
+          <a:p>
+            <a:pPr algn="ctr"/>
+            <a:r>
+              <a:rPr lang="en-US" dirty="0"/>
+              <a:t>Sample Regression</a:t>
+            </a:r>
+          </a:p>
+        </p:txBody>
+      </p:sp>
       <p:pic>
         <p:nvPicPr>
-          <p:cNvPr id="9" name="Content Placeholder 8">
+          <p:cNvPr id="5" name="Content Placeholder 4">
             <a:extLst>
               <a:ext uri="{FF2B5EF4-FFF2-40B4-BE49-F238E27FC236}">
-                <a16:creationId xmlns:a16="http://schemas.microsoft.com/office/drawing/2014/main" id="{634BB381-E517-C041-A829-DE913F1F3235}"/>
+                <a16:creationId xmlns:a16="http://schemas.microsoft.com/office/drawing/2014/main" id="{242A24DD-0DE2-C24C-B79F-E64710B31D6A}"/>
               </a:ext>
             </a:extLst>
           </p:cNvPr>
@@ -8347,6 +7830,33 @@
           <p:nvPr>
             <p:ph idx="1"/>
           </p:nvPr>
+        </p:nvPicPr>
+        <p:blipFill>
+          <a:blip r:embed="rId2"/>
+          <a:stretch>
+            <a:fillRect/>
+          </a:stretch>
+        </p:blipFill>
+        <p:spPr>
+          <a:xfrm>
+            <a:off x="2" y="1849273"/>
+            <a:ext cx="3591610" cy="2496485"/>
+          </a:xfrm>
+        </p:spPr>
+      </p:pic>
+      <p:pic>
+        <p:nvPicPr>
+          <p:cNvPr id="7" name="Picture 6">
+            <a:extLst>
+              <a:ext uri="{FF2B5EF4-FFF2-40B4-BE49-F238E27FC236}">
+                <a16:creationId xmlns:a16="http://schemas.microsoft.com/office/drawing/2014/main" id="{42677585-295E-ED48-8108-9983BD5840D1}"/>
+              </a:ext>
+            </a:extLst>
+          </p:cNvPr>
+          <p:cNvPicPr>
+            <a:picLocks noChangeAspect="1"/>
+          </p:cNvPicPr>
+          <p:nvPr/>
         </p:nvPicPr>
         <p:blipFill>
           <a:blip r:embed="rId3"/>
@@ -8356,49 +7866,18 @@
         </p:blipFill>
         <p:spPr>
           <a:xfrm>
-            <a:off x="3173131" y="1333923"/>
-            <a:ext cx="5956320" cy="4024313"/>
-          </a:xfrm>
+            <a:off x="3569701" y="1850101"/>
+            <a:ext cx="8596377" cy="4126494"/>
+          </a:xfrm>
+          <a:prstGeom prst="rect">
+            <a:avLst/>
+          </a:prstGeom>
         </p:spPr>
       </p:pic>
-      <p:sp>
-        <p:nvSpPr>
-          <p:cNvPr id="10" name="Title 1">
-            <a:extLst>
-              <a:ext uri="{FF2B5EF4-FFF2-40B4-BE49-F238E27FC236}">
-                <a16:creationId xmlns:a16="http://schemas.microsoft.com/office/drawing/2014/main" id="{E998A2C2-22B9-C844-BE7C-D8DDD330F62C}"/>
-              </a:ext>
-            </a:extLst>
-          </p:cNvPr>
-          <p:cNvSpPr>
-            <a:spLocks noGrp="1"/>
-          </p:cNvSpPr>
-          <p:nvPr>
-            <p:ph type="title"/>
-          </p:nvPr>
-        </p:nvSpPr>
-        <p:spPr>
-          <a:xfrm>
-            <a:off x="1789427" y="106884"/>
-            <a:ext cx="8610600" cy="1293028"/>
-          </a:xfrm>
-        </p:spPr>
-        <p:txBody>
-          <a:bodyPr/>
-          <a:lstStyle/>
-          <a:p>
-            <a:pPr algn="ctr"/>
-            <a:r>
-              <a:rPr lang="en-US" b="1" dirty="0"/>
-              <a:t>Old Qs scatter graph</a:t>
-            </a:r>
-          </a:p>
-        </p:txBody>
-      </p:sp>
     </p:spTree>
     <p:extLst>
       <p:ext uri="{BB962C8B-B14F-4D97-AF65-F5344CB8AC3E}">
-        <p14:creationId xmlns:p14="http://schemas.microsoft.com/office/powerpoint/2010/main" val="1331498195"/>
+        <p14:creationId xmlns:p14="http://schemas.microsoft.com/office/powerpoint/2010/main" val="1362956225"/>
       </p:ext>
     </p:extLst>
   </p:cSld>

--- a/PPAnalysis.pptx
+++ b/PPAnalysis.pptx
@@ -727,6 +727,174 @@
 </file>
 
 <file path=ppt/notesSlides/notesSlide4.xml><?xml version="1.0" encoding="utf-8"?>
+<p:notes xmlns:a="http://schemas.openxmlformats.org/drawingml/2006/main" xmlns:r="http://schemas.openxmlformats.org/officeDocument/2006/relationships" xmlns:p="http://schemas.openxmlformats.org/presentationml/2006/main">
+  <p:cSld>
+    <p:spTree>
+      <p:nvGrpSpPr>
+        <p:cNvPr id="1" name=""/>
+        <p:cNvGrpSpPr/>
+        <p:nvPr/>
+      </p:nvGrpSpPr>
+      <p:grpSpPr>
+        <a:xfrm>
+          <a:off x="0" y="0"/>
+          <a:ext cx="0" cy="0"/>
+          <a:chOff x="0" y="0"/>
+          <a:chExt cx="0" cy="0"/>
+        </a:xfrm>
+      </p:grpSpPr>
+      <p:sp>
+        <p:nvSpPr>
+          <p:cNvPr id="2" name="Slide Image Placeholder 1"/>
+          <p:cNvSpPr>
+            <a:spLocks noGrp="1" noRot="1" noChangeAspect="1"/>
+          </p:cNvSpPr>
+          <p:nvPr>
+            <p:ph type="sldImg"/>
+          </p:nvPr>
+        </p:nvSpPr>
+        <p:spPr/>
+      </p:sp>
+      <p:sp>
+        <p:nvSpPr>
+          <p:cNvPr id="3" name="Notes Placeholder 2"/>
+          <p:cNvSpPr>
+            <a:spLocks noGrp="1"/>
+          </p:cNvSpPr>
+          <p:nvPr>
+            <p:ph type="body" idx="1"/>
+          </p:nvPr>
+        </p:nvSpPr>
+        <p:spPr/>
+        <p:txBody>
+          <a:bodyPr/>
+          <a:lstStyle/>
+          <a:p>
+            <a:endParaRPr lang="en-US" dirty="0"/>
+          </a:p>
+        </p:txBody>
+      </p:sp>
+      <p:sp>
+        <p:nvSpPr>
+          <p:cNvPr id="4" name="Slide Number Placeholder 3"/>
+          <p:cNvSpPr>
+            <a:spLocks noGrp="1"/>
+          </p:cNvSpPr>
+          <p:nvPr>
+            <p:ph type="sldNum" sz="quarter" idx="5"/>
+          </p:nvPr>
+        </p:nvSpPr>
+        <p:spPr/>
+        <p:txBody>
+          <a:bodyPr/>
+          <a:lstStyle/>
+          <a:p>
+            <a:fld id="{637EA41F-6F97-514E-BA8B-985A0C23CCFF}" type="slidenum">
+              <a:rPr lang="en-US" smtClean="0"/>
+              <a:t>7</a:t>
+            </a:fld>
+            <a:endParaRPr lang="en-US"/>
+          </a:p>
+        </p:txBody>
+      </p:sp>
+    </p:spTree>
+    <p:extLst>
+      <p:ext uri="{BB962C8B-B14F-4D97-AF65-F5344CB8AC3E}">
+        <p14:creationId xmlns:p14="http://schemas.microsoft.com/office/powerpoint/2010/main" val="193882196"/>
+      </p:ext>
+    </p:extLst>
+  </p:cSld>
+  <p:clrMapOvr>
+    <a:masterClrMapping/>
+  </p:clrMapOvr>
+</p:notes>
+</file>
+
+<file path=ppt/notesSlides/notesSlide5.xml><?xml version="1.0" encoding="utf-8"?>
+<p:notes xmlns:a="http://schemas.openxmlformats.org/drawingml/2006/main" xmlns:r="http://schemas.openxmlformats.org/officeDocument/2006/relationships" xmlns:p="http://schemas.openxmlformats.org/presentationml/2006/main">
+  <p:cSld>
+    <p:spTree>
+      <p:nvGrpSpPr>
+        <p:cNvPr id="1" name=""/>
+        <p:cNvGrpSpPr/>
+        <p:nvPr/>
+      </p:nvGrpSpPr>
+      <p:grpSpPr>
+        <a:xfrm>
+          <a:off x="0" y="0"/>
+          <a:ext cx="0" cy="0"/>
+          <a:chOff x="0" y="0"/>
+          <a:chExt cx="0" cy="0"/>
+        </a:xfrm>
+      </p:grpSpPr>
+      <p:sp>
+        <p:nvSpPr>
+          <p:cNvPr id="2" name="Slide Image Placeholder 1"/>
+          <p:cNvSpPr>
+            <a:spLocks noGrp="1" noRot="1" noChangeAspect="1"/>
+          </p:cNvSpPr>
+          <p:nvPr>
+            <p:ph type="sldImg"/>
+          </p:nvPr>
+        </p:nvSpPr>
+        <p:spPr/>
+      </p:sp>
+      <p:sp>
+        <p:nvSpPr>
+          <p:cNvPr id="3" name="Notes Placeholder 2"/>
+          <p:cNvSpPr>
+            <a:spLocks noGrp="1"/>
+          </p:cNvSpPr>
+          <p:nvPr>
+            <p:ph type="body" idx="1"/>
+          </p:nvPr>
+        </p:nvSpPr>
+        <p:spPr/>
+        <p:txBody>
+          <a:bodyPr/>
+          <a:lstStyle/>
+          <a:p>
+            <a:endParaRPr lang="en-US" dirty="0"/>
+          </a:p>
+        </p:txBody>
+      </p:sp>
+      <p:sp>
+        <p:nvSpPr>
+          <p:cNvPr id="4" name="Slide Number Placeholder 3"/>
+          <p:cNvSpPr>
+            <a:spLocks noGrp="1"/>
+          </p:cNvSpPr>
+          <p:nvPr>
+            <p:ph type="sldNum" sz="quarter" idx="5"/>
+          </p:nvPr>
+        </p:nvSpPr>
+        <p:spPr/>
+        <p:txBody>
+          <a:bodyPr/>
+          <a:lstStyle/>
+          <a:p>
+            <a:fld id="{637EA41F-6F97-514E-BA8B-985A0C23CCFF}" type="slidenum">
+              <a:rPr lang="en-US" smtClean="0"/>
+              <a:t>8</a:t>
+            </a:fld>
+            <a:endParaRPr lang="en-US"/>
+          </a:p>
+        </p:txBody>
+      </p:sp>
+    </p:spTree>
+    <p:extLst>
+      <p:ext uri="{BB962C8B-B14F-4D97-AF65-F5344CB8AC3E}">
+        <p14:creationId xmlns:p14="http://schemas.microsoft.com/office/powerpoint/2010/main" val="4091462505"/>
+      </p:ext>
+    </p:extLst>
+  </p:cSld>
+  <p:clrMapOvr>
+    <a:masterClrMapping/>
+  </p:clrMapOvr>
+</p:notes>
+</file>
+
+<file path=ppt/notesSlides/notesSlide6.xml><?xml version="1.0" encoding="utf-8"?>
 <p:notes xmlns:a="http://schemas.openxmlformats.org/drawingml/2006/main" xmlns:r="http://schemas.openxmlformats.org/officeDocument/2006/relationships" xmlns:p="http://schemas.openxmlformats.org/presentationml/2006/main">
   <p:cSld>
     <p:spTree>
@@ -6629,7 +6797,7 @@
           <a:p>
             <a:r>
               <a:rPr lang="en-US" sz="3200" dirty="0"/>
-              <a:t>Since the Chi-Square Value of 3476.45 exceeds the critical value of 1073.64, we conclude that the results are statically significant. Therefore we reject the NULL Hypothesis that the Question Scores has no impact on the Answer Scores.</a:t>
+              <a:t>Since the Chi-Square Value of 3476.45 exceeds the critical value of 1073.64, we conclude that the results are statistically significant. Therefore, we are able to reject the NULL Hypothesis; that the Question Scores has no impact on the Answer Scores.</a:t>
             </a:r>
           </a:p>
         </p:txBody>
@@ -6868,7 +7036,7 @@
         </p:spPr>
         <p:txBody>
           <a:bodyPr>
-            <a:normAutofit lnSpcReduction="10000"/>
+            <a:normAutofit/>
           </a:bodyPr>
           <a:lstStyle/>
           <a:p>
@@ -6881,7 +7049,7 @@
             </a:pPr>
             <a:r>
               <a:rPr lang="en-US" sz="3000" dirty="0"/>
-              <a:t>What is the average time it took to answer the questions?</a:t>
+              <a:t>What is the correlation between the most upvoted questions and their answers?</a:t>
             </a:r>
           </a:p>
           <a:p>
@@ -6891,37 +7059,7 @@
             </a:pPr>
             <a:r>
               <a:rPr lang="en-US" sz="3000" dirty="0"/>
-              <a:t>What is the most and least popular libraries?  </a:t>
-            </a:r>
-          </a:p>
-          <a:p>
-            <a:pPr marL="1428750" lvl="2" indent="-514350">
-              <a:buFont typeface="+mj-lt"/>
-              <a:buAutoNum type="arabicPeriod"/>
-            </a:pPr>
-            <a:r>
-              <a:rPr lang="en-US" sz="3000" dirty="0"/>
-              <a:t>What is the average score per tag?</a:t>
-            </a:r>
-          </a:p>
-          <a:p>
-            <a:pPr marL="1428750" lvl="2" indent="-514350">
-              <a:buFont typeface="+mj-lt"/>
-              <a:buAutoNum type="arabicPeriod"/>
-            </a:pPr>
-            <a:r>
-              <a:rPr lang="en-US" sz="3000" dirty="0"/>
-              <a:t>What is the correlation between the most upvoted questions and their answers.</a:t>
-            </a:r>
-          </a:p>
-          <a:p>
-            <a:pPr marL="1428750" lvl="2" indent="-514350">
-              <a:buFont typeface="+mj-lt"/>
-              <a:buAutoNum type="arabicPeriod"/>
-            </a:pPr>
-            <a:r>
-              <a:rPr lang="en-US" sz="3000" dirty="0"/>
-              <a:t>What is the correlation between the most downvoted questions and their answers.</a:t>
+              <a:t>What is the correlation between the most downvoted questions and their answers?</a:t>
             </a:r>
           </a:p>
           <a:p>
@@ -7038,13 +7176,6 @@
             <a:pPr lvl="1"/>
             <a:r>
               <a:rPr lang="en-US" sz="2600" dirty="0"/>
-              <a:t>Bar Graphs</a:t>
-            </a:r>
-          </a:p>
-          <a:p>
-            <a:pPr lvl="1"/>
-            <a:r>
-              <a:rPr lang="en-US" sz="2600" dirty="0"/>
               <a:t>Scatter Plots</a:t>
             </a:r>
           </a:p>
@@ -7059,7 +7190,7 @@
             <a:pPr lvl="1"/>
             <a:r>
               <a:rPr lang="en-US" sz="2600" dirty="0"/>
-              <a:t>Multi-Variant Regression</a:t>
+              <a:t>Chi-Square Test</a:t>
             </a:r>
           </a:p>
         </p:txBody>
@@ -7646,7 +7777,7 @@
           </p:nvPr>
         </p:nvPicPr>
         <p:blipFill>
-          <a:blip r:embed="rId2"/>
+          <a:blip r:embed="rId3"/>
           <a:stretch>
             <a:fillRect/>
           </a:stretch>
@@ -7724,6 +7855,36 @@
       </p:sp>
       <p:pic>
         <p:nvPicPr>
+          <p:cNvPr id="7" name="Picture 6">
+            <a:extLst>
+              <a:ext uri="{FF2B5EF4-FFF2-40B4-BE49-F238E27FC236}">
+                <a16:creationId xmlns:a16="http://schemas.microsoft.com/office/drawing/2014/main" id="{79695DE1-EF7E-D846-9B62-E8E48EA74358}"/>
+              </a:ext>
+            </a:extLst>
+          </p:cNvPr>
+          <p:cNvPicPr>
+            <a:picLocks noChangeAspect="1"/>
+          </p:cNvPicPr>
+          <p:nvPr/>
+        </p:nvPicPr>
+        <p:blipFill>
+          <a:blip r:embed="rId3"/>
+          <a:stretch>
+            <a:fillRect/>
+          </a:stretch>
+        </p:blipFill>
+        <p:spPr>
+          <a:xfrm>
+            <a:off x="2975072" y="1970414"/>
+            <a:ext cx="6223001" cy="3687590"/>
+          </a:xfrm>
+          <a:prstGeom prst="rect">
+            <a:avLst/>
+          </a:prstGeom>
+        </p:spPr>
+      </p:pic>
+      <p:pic>
+        <p:nvPicPr>
           <p:cNvPr id="5" name="Content Placeholder 4">
             <a:extLst>
               <a:ext uri="{FF2B5EF4-FFF2-40B4-BE49-F238E27FC236}">
@@ -7739,14 +7900,14 @@
           </p:nvPr>
         </p:nvPicPr>
         <p:blipFill>
-          <a:blip r:embed="rId2"/>
+          <a:blip r:embed="rId4"/>
           <a:stretch>
             <a:fillRect/>
           </a:stretch>
         </p:blipFill>
         <p:spPr>
           <a:xfrm>
-            <a:off x="2975073" y="1962304"/>
+            <a:off x="2965646" y="1962304"/>
             <a:ext cx="6223000" cy="3695700"/>
           </a:xfrm>
         </p:spPr>
@@ -7761,6 +7922,89 @@
   <p:clrMapOvr>
     <a:masterClrMapping/>
   </p:clrMapOvr>
+  <p:timing>
+    <p:tnLst>
+      <p:par>
+        <p:cTn id="1" dur="indefinite" restart="never" nodeType="tmRoot">
+          <p:childTnLst>
+            <p:seq concurrent="1" nextAc="seek">
+              <p:cTn id="2" dur="indefinite" nodeType="mainSeq">
+                <p:childTnLst>
+                  <p:par>
+                    <p:cTn id="3" fill="hold">
+                      <p:stCondLst>
+                        <p:cond delay="indefinite"/>
+                      </p:stCondLst>
+                      <p:childTnLst>
+                        <p:par>
+                          <p:cTn id="4" fill="hold">
+                            <p:stCondLst>
+                              <p:cond delay="0"/>
+                            </p:stCondLst>
+                            <p:childTnLst>
+                              <p:par>
+                                <p:cTn id="5" presetID="9" presetClass="entr" presetSubtype="0" fill="hold" nodeType="clickEffect">
+                                  <p:stCondLst>
+                                    <p:cond delay="0"/>
+                                  </p:stCondLst>
+                                  <p:childTnLst>
+                                    <p:set>
+                                      <p:cBhvr>
+                                        <p:cTn id="6" dur="1" fill="hold">
+                                          <p:stCondLst>
+                                            <p:cond delay="0"/>
+                                          </p:stCondLst>
+                                        </p:cTn>
+                                        <p:tgtEl>
+                                          <p:spTgt spid="5"/>
+                                        </p:tgtEl>
+                                        <p:attrNameLst>
+                                          <p:attrName>style.visibility</p:attrName>
+                                        </p:attrNameLst>
+                                      </p:cBhvr>
+                                      <p:to>
+                                        <p:strVal val="visible"/>
+                                      </p:to>
+                                    </p:set>
+                                    <p:animEffect transition="in" filter="dissolve">
+                                      <p:cBhvr>
+                                        <p:cTn id="7" dur="500"/>
+                                        <p:tgtEl>
+                                          <p:spTgt spid="5"/>
+                                        </p:tgtEl>
+                                      </p:cBhvr>
+                                    </p:animEffect>
+                                  </p:childTnLst>
+                                </p:cTn>
+                              </p:par>
+                            </p:childTnLst>
+                          </p:cTn>
+                        </p:par>
+                      </p:childTnLst>
+                    </p:cTn>
+                  </p:par>
+                </p:childTnLst>
+              </p:cTn>
+              <p:prevCondLst>
+                <p:cond evt="onPrev" delay="0">
+                  <p:tgtEl>
+                    <p:sldTgt/>
+                  </p:tgtEl>
+                </p:cond>
+              </p:prevCondLst>
+              <p:nextCondLst>
+                <p:cond evt="onNext" delay="0">
+                  <p:tgtEl>
+                    <p:sldTgt/>
+                  </p:tgtEl>
+                </p:cond>
+              </p:nextCondLst>
+            </p:seq>
+          </p:childTnLst>
+        </p:cTn>
+      </p:par>
+    </p:tnLst>
+  </p:timing>
 </p:sld>
 </file>
 

--- a/PPAnalysis.pptx
+++ b/PPAnalysis.pptx
@@ -207,7 +207,7 @@
           <a:p>
             <a:fld id="{294B7C0E-F27A-244B-8471-1291EE8CB251}" type="datetimeFigureOut">
               <a:rPr lang="en-US" smtClean="0"/>
-              <a:t>12/20/18</a:t>
+              <a:t>12/22/18</a:t>
             </a:fld>
             <a:endParaRPr lang="en-US"/>
           </a:p>
@@ -1148,7 +1148,7 @@
           <a:p>
             <a:fld id="{48A87A34-81AB-432B-8DAE-1953F412C126}" type="datetimeFigureOut">
               <a:rPr lang="en-US" dirty="0"/>
-              <a:t>12/20/18</a:t>
+              <a:t>12/22/18</a:t>
             </a:fld>
             <a:endParaRPr lang="en-US" dirty="0"/>
           </a:p>
@@ -1410,7 +1410,7 @@
           <a:p>
             <a:fld id="{48A87A34-81AB-432B-8DAE-1953F412C126}" type="datetimeFigureOut">
               <a:rPr lang="en-US" dirty="0"/>
-              <a:t>12/20/18</a:t>
+              <a:t>12/22/18</a:t>
             </a:fld>
             <a:endParaRPr lang="en-US" dirty="0"/>
           </a:p>
@@ -1637,7 +1637,7 @@
             <a:fld id="{48A87A34-81AB-432B-8DAE-1953F412C126}" type="datetimeFigureOut">
               <a:rPr lang="en-US" dirty="0"/>
               <a:pPr/>
-              <a:t>12/20/18</a:t>
+              <a:t>12/22/18</a:t>
             </a:fld>
             <a:endParaRPr lang="en-US" dirty="0"/>
           </a:p>
@@ -1943,7 +1943,7 @@
             <a:fld id="{48A87A34-81AB-432B-8DAE-1953F412C126}" type="datetimeFigureOut">
               <a:rPr lang="en-US" dirty="0"/>
               <a:pPr/>
-              <a:t>12/20/18</a:t>
+              <a:t>12/22/18</a:t>
             </a:fld>
             <a:endParaRPr lang="en-US" dirty="0"/>
           </a:p>
@@ -2412,7 +2412,7 @@
             <a:fld id="{48A87A34-81AB-432B-8DAE-1953F412C126}" type="datetimeFigureOut">
               <a:rPr lang="en-US" dirty="0"/>
               <a:pPr/>
-              <a:t>12/20/18</a:t>
+              <a:t>12/22/18</a:t>
             </a:fld>
             <a:endParaRPr lang="en-US" dirty="0"/>
           </a:p>
@@ -2954,7 +2954,7 @@
           <a:p>
             <a:fld id="{48A87A34-81AB-432B-8DAE-1953F412C126}" type="datetimeFigureOut">
               <a:rPr lang="en-US" dirty="0"/>
-              <a:t>12/20/18</a:t>
+              <a:t>12/22/18</a:t>
             </a:fld>
             <a:endParaRPr lang="en-US" dirty="0"/>
           </a:p>
@@ -3723,7 +3723,7 @@
           <a:p>
             <a:fld id="{48A87A34-81AB-432B-8DAE-1953F412C126}" type="datetimeFigureOut">
               <a:rPr lang="en-US" dirty="0"/>
-              <a:t>12/20/18</a:t>
+              <a:t>12/22/18</a:t>
             </a:fld>
             <a:endParaRPr lang="en-US" dirty="0"/>
           </a:p>
@@ -3893,7 +3893,7 @@
           <a:p>
             <a:fld id="{48A87A34-81AB-432B-8DAE-1953F412C126}" type="datetimeFigureOut">
               <a:rPr lang="en-US" dirty="0"/>
-              <a:t>12/20/18</a:t>
+              <a:t>12/22/18</a:t>
             </a:fld>
             <a:endParaRPr lang="en-US" dirty="0"/>
           </a:p>
@@ -4112,7 +4112,7 @@
             <a:fld id="{48A87A34-81AB-432B-8DAE-1953F412C126}" type="datetimeFigureOut">
               <a:rPr lang="en-US" dirty="0"/>
               <a:pPr/>
-              <a:t>12/20/18</a:t>
+              <a:t>12/22/18</a:t>
             </a:fld>
             <a:endParaRPr lang="en-US" dirty="0"/>
           </a:p>
@@ -4287,7 +4287,7 @@
           <a:p>
             <a:fld id="{48A87A34-81AB-432B-8DAE-1953F412C126}" type="datetimeFigureOut">
               <a:rPr lang="en-US" dirty="0"/>
-              <a:t>12/20/18</a:t>
+              <a:t>12/22/18</a:t>
             </a:fld>
             <a:endParaRPr lang="en-US" dirty="0"/>
           </a:p>
@@ -4572,7 +4572,7 @@
             <a:fld id="{48A87A34-81AB-432B-8DAE-1953F412C126}" type="datetimeFigureOut">
               <a:rPr lang="en-US" dirty="0"/>
               <a:pPr/>
-              <a:t>12/20/18</a:t>
+              <a:t>12/22/18</a:t>
             </a:fld>
             <a:endParaRPr lang="en-US" dirty="0"/>
           </a:p>
@@ -4809,7 +4809,7 @@
           <a:p>
             <a:fld id="{48A87A34-81AB-432B-8DAE-1953F412C126}" type="datetimeFigureOut">
               <a:rPr lang="en-US" dirty="0"/>
-              <a:t>12/20/18</a:t>
+              <a:t>12/22/18</a:t>
             </a:fld>
             <a:endParaRPr lang="en-US" dirty="0"/>
           </a:p>
@@ -5183,7 +5183,7 @@
           <a:p>
             <a:fld id="{48A87A34-81AB-432B-8DAE-1953F412C126}" type="datetimeFigureOut">
               <a:rPr lang="en-US" dirty="0"/>
-              <a:t>12/20/18</a:t>
+              <a:t>12/22/18</a:t>
             </a:fld>
             <a:endParaRPr lang="en-US" dirty="0"/>
           </a:p>
@@ -5296,7 +5296,7 @@
           <a:p>
             <a:fld id="{48A87A34-81AB-432B-8DAE-1953F412C126}" type="datetimeFigureOut">
               <a:rPr lang="en-US" dirty="0"/>
-              <a:t>12/20/18</a:t>
+              <a:t>12/22/18</a:t>
             </a:fld>
             <a:endParaRPr lang="en-US" dirty="0"/>
           </a:p>
@@ -5386,7 +5386,7 @@
           <a:p>
             <a:fld id="{48A87A34-81AB-432B-8DAE-1953F412C126}" type="datetimeFigureOut">
               <a:rPr lang="en-US" dirty="0"/>
-              <a:t>12/20/18</a:t>
+              <a:t>12/22/18</a:t>
             </a:fld>
             <a:endParaRPr lang="en-US" dirty="0"/>
           </a:p>
@@ -5630,7 +5630,7 @@
           <a:p>
             <a:fld id="{48A87A34-81AB-432B-8DAE-1953F412C126}" type="datetimeFigureOut">
               <a:rPr lang="en-US" dirty="0"/>
-              <a:t>12/20/18</a:t>
+              <a:t>12/22/18</a:t>
             </a:fld>
             <a:endParaRPr lang="en-US" dirty="0"/>
           </a:p>
@@ -5882,7 +5882,7 @@
           <a:p>
             <a:fld id="{48A87A34-81AB-432B-8DAE-1953F412C126}" type="datetimeFigureOut">
               <a:rPr lang="en-US" dirty="0"/>
-              <a:t>12/20/18</a:t>
+              <a:t>12/22/18</a:t>
             </a:fld>
             <a:endParaRPr lang="en-US" dirty="0"/>
           </a:p>
@@ -6121,7 +6121,7 @@
             <a:fld id="{48A87A34-81AB-432B-8DAE-1953F412C126}" type="datetimeFigureOut">
               <a:rPr lang="en-US" dirty="0"/>
               <a:pPr/>
-              <a:t>12/20/18</a:t>
+              <a:t>12/22/18</a:t>
             </a:fld>
             <a:endParaRPr lang="en-US" dirty="0"/>
           </a:p>
@@ -6680,10 +6680,10 @@
       </p:sp>
       <p:pic>
         <p:nvPicPr>
-          <p:cNvPr id="13" name="Picture 12">
+          <p:cNvPr id="12" name="Picture 11">
             <a:extLst>
               <a:ext uri="{FF2B5EF4-FFF2-40B4-BE49-F238E27FC236}">
-                <a16:creationId xmlns:a16="http://schemas.microsoft.com/office/drawing/2014/main" id="{33D49B93-95CF-5245-9C06-7FB0B39E28CE}"/>
+                <a16:creationId xmlns:a16="http://schemas.microsoft.com/office/drawing/2014/main" id="{43047139-75C6-2F41-BFDD-669DB363B0C3}"/>
               </a:ext>
             </a:extLst>
           </p:cNvPr>
@@ -6700,8 +6700,68 @@
         </p:blipFill>
         <p:spPr>
           <a:xfrm>
-            <a:off x="1839411" y="1733026"/>
-            <a:ext cx="8464088" cy="4611126"/>
+            <a:off x="2264973" y="1988126"/>
+            <a:ext cx="7555156" cy="2221345"/>
+          </a:xfrm>
+          <a:prstGeom prst="rect">
+            <a:avLst/>
+          </a:prstGeom>
+        </p:spPr>
+      </p:pic>
+      <p:pic>
+        <p:nvPicPr>
+          <p:cNvPr id="15" name="Picture 14">
+            <a:extLst>
+              <a:ext uri="{FF2B5EF4-FFF2-40B4-BE49-F238E27FC236}">
+                <a16:creationId xmlns:a16="http://schemas.microsoft.com/office/drawing/2014/main" id="{A7BA9457-83E1-4047-A827-3090C090F60C}"/>
+              </a:ext>
+            </a:extLst>
+          </p:cNvPr>
+          <p:cNvPicPr>
+            <a:picLocks noChangeAspect="1"/>
+          </p:cNvPicPr>
+          <p:nvPr/>
+        </p:nvPicPr>
+        <p:blipFill>
+          <a:blip r:embed="rId3"/>
+          <a:stretch>
+            <a:fillRect/>
+          </a:stretch>
+        </p:blipFill>
+        <p:spPr>
+          <a:xfrm>
+            <a:off x="2264973" y="4209470"/>
+            <a:ext cx="7555156" cy="475946"/>
+          </a:xfrm>
+          <a:prstGeom prst="rect">
+            <a:avLst/>
+          </a:prstGeom>
+        </p:spPr>
+      </p:pic>
+      <p:pic>
+        <p:nvPicPr>
+          <p:cNvPr id="17" name="Picture 16">
+            <a:extLst>
+              <a:ext uri="{FF2B5EF4-FFF2-40B4-BE49-F238E27FC236}">
+                <a16:creationId xmlns:a16="http://schemas.microsoft.com/office/drawing/2014/main" id="{E57352C6-3539-2A41-9730-27269425A189}"/>
+              </a:ext>
+            </a:extLst>
+          </p:cNvPr>
+          <p:cNvPicPr>
+            <a:picLocks noChangeAspect="1"/>
+          </p:cNvPicPr>
+          <p:nvPr/>
+        </p:nvPicPr>
+        <p:blipFill>
+          <a:blip r:embed="rId4"/>
+          <a:stretch>
+            <a:fillRect/>
+          </a:stretch>
+        </p:blipFill>
+        <p:spPr>
+          <a:xfrm>
+            <a:off x="2264973" y="4685416"/>
+            <a:ext cx="7555156" cy="431800"/>
           </a:xfrm>
           <a:prstGeom prst="rect">
             <a:avLst/>
@@ -6797,7 +6857,7 @@
           <a:p>
             <a:r>
               <a:rPr lang="en-US" sz="3200" dirty="0"/>
-              <a:t>Since the Chi-Square Value of 3476.45 exceeds the critical value of 1073.64, we conclude that the results are statistically significant. Therefore, we are able to reject the NULL Hypothesis; that the Question Scores has no impact on the Answer Scores.</a:t>
+              <a:t>Since the Chi-Square Value of 829500.488 exceeds the critical value of 790637.814, we conclude that the results are statistically significant. Therefore, we are able to reject the NULL Hypothesis; that the Question Scores has no impact on the Answer Scores.</a:t>
             </a:r>
           </a:p>
         </p:txBody>
@@ -7855,10 +7915,10 @@
       </p:sp>
       <p:pic>
         <p:nvPicPr>
-          <p:cNvPr id="7" name="Picture 6">
+          <p:cNvPr id="8" name="Picture 7">
             <a:extLst>
               <a:ext uri="{FF2B5EF4-FFF2-40B4-BE49-F238E27FC236}">
-                <a16:creationId xmlns:a16="http://schemas.microsoft.com/office/drawing/2014/main" id="{79695DE1-EF7E-D846-9B62-E8E48EA74358}"/>
+                <a16:creationId xmlns:a16="http://schemas.microsoft.com/office/drawing/2014/main" id="{917F42DF-10D0-324E-AB9C-0E6891AA5E7E}"/>
               </a:ext>
             </a:extLst>
           </p:cNvPr>
@@ -7875,41 +7935,12 @@
         </p:blipFill>
         <p:spPr>
           <a:xfrm>
-            <a:off x="2975072" y="1970414"/>
-            <a:ext cx="6223001" cy="3687590"/>
+            <a:off x="3198090" y="1788971"/>
+            <a:ext cx="5740400" cy="3695700"/>
           </a:xfrm>
           <a:prstGeom prst="rect">
             <a:avLst/>
           </a:prstGeom>
-        </p:spPr>
-      </p:pic>
-      <p:pic>
-        <p:nvPicPr>
-          <p:cNvPr id="5" name="Content Placeholder 4">
-            <a:extLst>
-              <a:ext uri="{FF2B5EF4-FFF2-40B4-BE49-F238E27FC236}">
-                <a16:creationId xmlns:a16="http://schemas.microsoft.com/office/drawing/2014/main" id="{B0471B2C-DED2-BF4F-93CC-85A82ECA79A6}"/>
-              </a:ext>
-            </a:extLst>
-          </p:cNvPr>
-          <p:cNvPicPr>
-            <a:picLocks noGrp="1" noChangeAspect="1"/>
-          </p:cNvPicPr>
-          <p:nvPr>
-            <p:ph idx="1"/>
-          </p:nvPr>
-        </p:nvPicPr>
-        <p:blipFill>
-          <a:blip r:embed="rId4"/>
-          <a:stretch>
-            <a:fillRect/>
-          </a:stretch>
-        </p:blipFill>
-        <p:spPr>
-          <a:xfrm>
-            <a:off x="2965646" y="1962304"/>
-            <a:ext cx="6223000" cy="3695700"/>
-          </a:xfrm>
         </p:spPr>
       </p:pic>
     </p:spTree>
@@ -7922,89 +7953,6 @@
   <p:clrMapOvr>
     <a:masterClrMapping/>
   </p:clrMapOvr>
-  <p:timing>
-    <p:tnLst>
-      <p:par>
-        <p:cTn id="1" dur="indefinite" restart="never" nodeType="tmRoot">
-          <p:childTnLst>
-            <p:seq concurrent="1" nextAc="seek">
-              <p:cTn id="2" dur="indefinite" nodeType="mainSeq">
-                <p:childTnLst>
-                  <p:par>
-                    <p:cTn id="3" fill="hold">
-                      <p:stCondLst>
-                        <p:cond delay="indefinite"/>
-                      </p:stCondLst>
-                      <p:childTnLst>
-                        <p:par>
-                          <p:cTn id="4" fill="hold">
-                            <p:stCondLst>
-                              <p:cond delay="0"/>
-                            </p:stCondLst>
-                            <p:childTnLst>
-                              <p:par>
-                                <p:cTn id="5" presetID="9" presetClass="entr" presetSubtype="0" fill="hold" nodeType="clickEffect">
-                                  <p:stCondLst>
-                                    <p:cond delay="0"/>
-                                  </p:stCondLst>
-                                  <p:childTnLst>
-                                    <p:set>
-                                      <p:cBhvr>
-                                        <p:cTn id="6" dur="1" fill="hold">
-                                          <p:stCondLst>
-                                            <p:cond delay="0"/>
-                                          </p:stCondLst>
-                                        </p:cTn>
-                                        <p:tgtEl>
-                                          <p:spTgt spid="5"/>
-                                        </p:tgtEl>
-                                        <p:attrNameLst>
-                                          <p:attrName>style.visibility</p:attrName>
-                                        </p:attrNameLst>
-                                      </p:cBhvr>
-                                      <p:to>
-                                        <p:strVal val="visible"/>
-                                      </p:to>
-                                    </p:set>
-                                    <p:animEffect transition="in" filter="dissolve">
-                                      <p:cBhvr>
-                                        <p:cTn id="7" dur="500"/>
-                                        <p:tgtEl>
-                                          <p:spTgt spid="5"/>
-                                        </p:tgtEl>
-                                      </p:cBhvr>
-                                    </p:animEffect>
-                                  </p:childTnLst>
-                                </p:cTn>
-                              </p:par>
-                            </p:childTnLst>
-                          </p:cTn>
-                        </p:par>
-                      </p:childTnLst>
-                    </p:cTn>
-                  </p:par>
-                </p:childTnLst>
-              </p:cTn>
-              <p:prevCondLst>
-                <p:cond evt="onPrev" delay="0">
-                  <p:tgtEl>
-                    <p:sldTgt/>
-                  </p:tgtEl>
-                </p:cond>
-              </p:prevCondLst>
-              <p:nextCondLst>
-                <p:cond evt="onNext" delay="0">
-                  <p:tgtEl>
-                    <p:sldTgt/>
-                  </p:tgtEl>
-                </p:cond>
-              </p:nextCondLst>
-            </p:seq>
-          </p:childTnLst>
-        </p:cTn>
-      </p:par>
-    </p:tnLst>
-  </p:timing>
 </p:sld>
 </file>
 
@@ -8061,39 +8009,10 @@
       </p:sp>
       <p:pic>
         <p:nvPicPr>
-          <p:cNvPr id="5" name="Content Placeholder 4">
+          <p:cNvPr id="4" name="Picture 3">
             <a:extLst>
               <a:ext uri="{FF2B5EF4-FFF2-40B4-BE49-F238E27FC236}">
-                <a16:creationId xmlns:a16="http://schemas.microsoft.com/office/drawing/2014/main" id="{242A24DD-0DE2-C24C-B79F-E64710B31D6A}"/>
-              </a:ext>
-            </a:extLst>
-          </p:cNvPr>
-          <p:cNvPicPr>
-            <a:picLocks noGrp="1" noChangeAspect="1"/>
-          </p:cNvPicPr>
-          <p:nvPr>
-            <p:ph idx="1"/>
-          </p:nvPr>
-        </p:nvPicPr>
-        <p:blipFill>
-          <a:blip r:embed="rId2"/>
-          <a:stretch>
-            <a:fillRect/>
-          </a:stretch>
-        </p:blipFill>
-        <p:spPr>
-          <a:xfrm>
-            <a:off x="2" y="1849273"/>
-            <a:ext cx="3591610" cy="2496485"/>
-          </a:xfrm>
-        </p:spPr>
-      </p:pic>
-      <p:pic>
-        <p:nvPicPr>
-          <p:cNvPr id="7" name="Picture 6">
-            <a:extLst>
-              <a:ext uri="{FF2B5EF4-FFF2-40B4-BE49-F238E27FC236}">
-                <a16:creationId xmlns:a16="http://schemas.microsoft.com/office/drawing/2014/main" id="{42677585-295E-ED48-8108-9983BD5840D1}"/>
+                <a16:creationId xmlns:a16="http://schemas.microsoft.com/office/drawing/2014/main" id="{89C324AE-EFA2-7940-A19A-5C587946F147}"/>
               </a:ext>
             </a:extLst>
           </p:cNvPr>
@@ -8103,6 +8022,38 @@
           <p:nvPr/>
         </p:nvPicPr>
         <p:blipFill>
+          <a:blip r:embed="rId2"/>
+          <a:stretch>
+            <a:fillRect/>
+          </a:stretch>
+        </p:blipFill>
+        <p:spPr>
+          <a:xfrm>
+            <a:off x="3703908" y="1724564"/>
+            <a:ext cx="8488091" cy="4454564"/>
+          </a:xfrm>
+          <a:prstGeom prst="rect">
+            <a:avLst/>
+          </a:prstGeom>
+        </p:spPr>
+      </p:pic>
+      <p:pic>
+        <p:nvPicPr>
+          <p:cNvPr id="10" name="Content Placeholder 9">
+            <a:extLst>
+              <a:ext uri="{FF2B5EF4-FFF2-40B4-BE49-F238E27FC236}">
+                <a16:creationId xmlns:a16="http://schemas.microsoft.com/office/drawing/2014/main" id="{EE8D9207-A471-1E4A-9DB0-E3665F9F4F7C}"/>
+              </a:ext>
+            </a:extLst>
+          </p:cNvPr>
+          <p:cNvPicPr>
+            <a:picLocks noGrp="1" noChangeAspect="1"/>
+          </p:cNvPicPr>
+          <p:nvPr>
+            <p:ph idx="1"/>
+          </p:nvPr>
+        </p:nvPicPr>
+        <p:blipFill>
           <a:blip r:embed="rId3"/>
           <a:stretch>
             <a:fillRect/>
@@ -8110,12 +8061,9 @@
         </p:blipFill>
         <p:spPr>
           <a:xfrm>
-            <a:off x="3569701" y="1850101"/>
-            <a:ext cx="8596377" cy="4126494"/>
-          </a:xfrm>
-          <a:prstGeom prst="rect">
-            <a:avLst/>
-          </a:prstGeom>
+            <a:off x="0" y="1724563"/>
+            <a:ext cx="3728353" cy="1988455"/>
+          </a:xfrm>
         </p:spPr>
       </p:pic>
     </p:spTree>

--- a/PPAnalysis.pptx
+++ b/PPAnalysis.pptx
@@ -6982,14 +6982,22 @@
             <a:pPr lvl="2"/>
             <a:r>
               <a:rPr lang="en-US" dirty="0"/>
-              <a:t>Second, we will study the correlation between most upvoted questions and downvoted questions along with their corresponding answers.</a:t>
+              <a:t>Then, we will study the correlation between most upvoted questions and downvoted questions along with their corresponding answers.</a:t>
             </a:r>
           </a:p>
           <a:p>
             <a:pPr lvl="2"/>
             <a:r>
               <a:rPr lang="en-US" dirty="0"/>
-              <a:t>Third, we will be comparing the average time it takes to answer the most/least popular tagged questions.</a:t>
+              <a:t>Finally, we will using the Chi-Square </a:t>
+            </a:r>
+            <a:r>
+              <a:rPr lang="en-US"/>
+              <a:t>test to either </a:t>
+            </a:r>
+            <a:r>
+              <a:rPr lang="en-US" dirty="0"/>
+              <a:t>reject or accept the NULL Hypothesis</a:t>
             </a:r>
           </a:p>
           <a:p>

--- a/PPAnalysis.pptx
+++ b/PPAnalysis.pptx
@@ -6989,15 +6989,7 @@
             <a:pPr lvl="2"/>
             <a:r>
               <a:rPr lang="en-US" dirty="0"/>
-              <a:t>Finally, we will using the Chi-Square </a:t>
-            </a:r>
-            <a:r>
-              <a:rPr lang="en-US"/>
-              <a:t>test to either </a:t>
-            </a:r>
-            <a:r>
-              <a:rPr lang="en-US" dirty="0"/>
-              <a:t>reject or accept the NULL Hypothesis</a:t>
+              <a:t>Finally, we will using the Chi-Square test to either reject or accept the NULL Hypothesis</a:t>
             </a:r>
           </a:p>
           <a:p>
@@ -7552,35 +7544,6 @@
       </p:grpSpPr>
       <p:pic>
         <p:nvPicPr>
-          <p:cNvPr id="5" name="Content Placeholder 4">
-            <a:extLst>
-              <a:ext uri="{FF2B5EF4-FFF2-40B4-BE49-F238E27FC236}">
-                <a16:creationId xmlns:a16="http://schemas.microsoft.com/office/drawing/2014/main" id="{6E0F4204-0AEF-2C42-AFCC-5960B6E5F62B}"/>
-              </a:ext>
-            </a:extLst>
-          </p:cNvPr>
-          <p:cNvPicPr>
-            <a:picLocks noGrp="1" noChangeAspect="1"/>
-          </p:cNvPicPr>
-          <p:nvPr>
-            <p:ph idx="1"/>
-          </p:nvPr>
-        </p:nvPicPr>
-        <p:blipFill>
-          <a:blip r:embed="rId2"/>
-          <a:stretch>
-            <a:fillRect/>
-          </a:stretch>
-        </p:blipFill>
-        <p:spPr>
-          <a:xfrm>
-            <a:off x="2984500" y="2131987"/>
-            <a:ext cx="6223000" cy="3695700"/>
-          </a:xfrm>
-        </p:spPr>
-      </p:pic>
-      <p:pic>
-        <p:nvPicPr>
           <p:cNvPr id="7" name="Picture 6">
             <a:extLst>
               <a:ext uri="{FF2B5EF4-FFF2-40B4-BE49-F238E27FC236}">
@@ -7594,14 +7557,14 @@
           <p:nvPr/>
         </p:nvPicPr>
         <p:blipFill>
-          <a:blip r:embed="rId3"/>
+          <a:blip r:embed="rId2"/>
           <a:stretch>
             <a:fillRect/>
           </a:stretch>
         </p:blipFill>
         <p:spPr>
           <a:xfrm>
-            <a:off x="2984500" y="2137330"/>
+            <a:off x="2699364" y="2062744"/>
             <a:ext cx="6223000" cy="3695700"/>
           </a:xfrm>
           <a:prstGeom prst="rect">

--- a/PPAnalysis.pptx
+++ b/PPAnalysis.pptx
@@ -6552,7 +6552,7 @@
             <a:pPr algn="ctr"/>
             <a:r>
               <a:rPr lang="en-US" dirty="0"/>
-              <a:t>The Team with  </a:t>
+              <a:t>The Team with </a:t>
             </a:r>
             <a:r>
               <a:rPr lang="en-US" dirty="0">
@@ -6672,7 +6672,7 @@
           <a:p>
             <a:pPr algn="ctr"/>
             <a:r>
-              <a:rPr lang="en-US" dirty="0"/>
+              <a:rPr lang="en-US" b="1" dirty="0"/>
               <a:t>Chi-Square Test</a:t>
             </a:r>
           </a:p>
@@ -7600,7 +7600,7 @@
           <a:p>
             <a:pPr algn="ctr"/>
             <a:r>
-              <a:rPr lang="en-US" dirty="0"/>
+              <a:rPr lang="en-US" b="1" dirty="0"/>
               <a:t>Most upvoted scatter plot</a:t>
             </a:r>
           </a:p>
@@ -7616,127 +7616,6 @@
   <p:clrMapOvr>
     <a:masterClrMapping/>
   </p:clrMapOvr>
-  <p:timing>
-    <p:tnLst>
-      <p:par>
-        <p:cTn id="1" dur="indefinite" restart="never" nodeType="tmRoot">
-          <p:childTnLst>
-            <p:seq concurrent="1" nextAc="seek">
-              <p:cTn id="2" dur="indefinite" nodeType="mainSeq">
-                <p:childTnLst>
-                  <p:par>
-                    <p:cTn id="3" fill="hold">
-                      <p:stCondLst>
-                        <p:cond delay="indefinite"/>
-                      </p:stCondLst>
-                      <p:childTnLst>
-                        <p:par>
-                          <p:cTn id="4" fill="hold">
-                            <p:stCondLst>
-                              <p:cond delay="0"/>
-                            </p:stCondLst>
-                            <p:childTnLst>
-                              <p:par>
-                                <p:cTn id="5" presetID="2" presetClass="entr" presetSubtype="4" fill="hold" nodeType="clickEffect">
-                                  <p:stCondLst>
-                                    <p:cond delay="0"/>
-                                  </p:stCondLst>
-                                  <p:childTnLst>
-                                    <p:set>
-                                      <p:cBhvr>
-                                        <p:cTn id="6" dur="1" fill="hold">
-                                          <p:stCondLst>
-                                            <p:cond delay="0"/>
-                                          </p:stCondLst>
-                                        </p:cTn>
-                                        <p:tgtEl>
-                                          <p:spTgt spid="7"/>
-                                        </p:tgtEl>
-                                        <p:attrNameLst>
-                                          <p:attrName>style.visibility</p:attrName>
-                                        </p:attrNameLst>
-                                      </p:cBhvr>
-                                      <p:to>
-                                        <p:strVal val="visible"/>
-                                      </p:to>
-                                    </p:set>
-                                    <p:anim calcmode="lin" valueType="num">
-                                      <p:cBhvr additive="base">
-                                        <p:cTn id="7" dur="500" fill="hold"/>
-                                        <p:tgtEl>
-                                          <p:spTgt spid="7"/>
-                                        </p:tgtEl>
-                                        <p:attrNameLst>
-                                          <p:attrName>ppt_x</p:attrName>
-                                        </p:attrNameLst>
-                                      </p:cBhvr>
-                                      <p:tavLst>
-                                        <p:tav tm="0">
-                                          <p:val>
-                                            <p:strVal val="#ppt_x"/>
-                                          </p:val>
-                                        </p:tav>
-                                        <p:tav tm="100000">
-                                          <p:val>
-                                            <p:strVal val="#ppt_x"/>
-                                          </p:val>
-                                        </p:tav>
-                                      </p:tavLst>
-                                    </p:anim>
-                                    <p:anim calcmode="lin" valueType="num">
-                                      <p:cBhvr additive="base">
-                                        <p:cTn id="8" dur="500" fill="hold"/>
-                                        <p:tgtEl>
-                                          <p:spTgt spid="7"/>
-                                        </p:tgtEl>
-                                        <p:attrNameLst>
-                                          <p:attrName>ppt_y</p:attrName>
-                                        </p:attrNameLst>
-                                      </p:cBhvr>
-                                      <p:tavLst>
-                                        <p:tav tm="0">
-                                          <p:val>
-                                            <p:strVal val="1+#ppt_h/2"/>
-                                          </p:val>
-                                        </p:tav>
-                                        <p:tav tm="100000">
-                                          <p:val>
-                                            <p:strVal val="#ppt_y"/>
-                                          </p:val>
-                                        </p:tav>
-                                      </p:tavLst>
-                                    </p:anim>
-                                  </p:childTnLst>
-                                </p:cTn>
-                              </p:par>
-                            </p:childTnLst>
-                          </p:cTn>
-                        </p:par>
-                      </p:childTnLst>
-                    </p:cTn>
-                  </p:par>
-                </p:childTnLst>
-              </p:cTn>
-              <p:prevCondLst>
-                <p:cond evt="onPrev" delay="0">
-                  <p:tgtEl>
-                    <p:sldTgt/>
-                  </p:tgtEl>
-                </p:cond>
-              </p:prevCondLst>
-              <p:nextCondLst>
-                <p:cond evt="onNext" delay="0">
-                  <p:tgtEl>
-                    <p:sldTgt/>
-                  </p:tgtEl>
-                </p:cond>
-              </p:nextCondLst>
-            </p:seq>
-          </p:childTnLst>
-        </p:cTn>
-      </p:par>
-    </p:tnLst>
-  </p:timing>
 </p:sld>
 </file>
 
@@ -7785,7 +7664,7 @@
           <a:p>
             <a:pPr algn="ctr"/>
             <a:r>
-              <a:rPr lang="en-US" dirty="0"/>
+              <a:rPr lang="en-US" b="1" dirty="0"/>
               <a:t>Most downvoted Scatter plot</a:t>
             </a:r>
           </a:p>
@@ -7878,7 +7757,7 @@
           <a:p>
             <a:pPr algn="ctr"/>
             <a:r>
-              <a:rPr lang="en-US" dirty="0"/>
+              <a:rPr lang="en-US" b="1" dirty="0"/>
               <a:t>Random Sample Scatter Plot</a:t>
             </a:r>
           </a:p>
@@ -7972,7 +7851,7 @@
           <a:p>
             <a:pPr algn="ctr"/>
             <a:r>
-              <a:rPr lang="en-US" dirty="0"/>
+              <a:rPr lang="en-US" b="1" dirty="0"/>
               <a:t>Sample Regression</a:t>
             </a:r>
           </a:p>

--- a/PPAnalysis.pptx
+++ b/PPAnalysis.pptx
@@ -7914,6 +7914,36 @@
             <a:off x="0" y="1724563"/>
             <a:ext cx="3728353" cy="1988455"/>
           </a:xfrm>
+        </p:spPr>
+      </p:pic>
+      <p:pic>
+        <p:nvPicPr>
+          <p:cNvPr id="12" name="Picture 11">
+            <a:extLst>
+              <a:ext uri="{FF2B5EF4-FFF2-40B4-BE49-F238E27FC236}">
+                <a16:creationId xmlns:a16="http://schemas.microsoft.com/office/drawing/2014/main" id="{02D5FFF1-90A2-C54C-86F3-A648BE021B0C}"/>
+              </a:ext>
+            </a:extLst>
+          </p:cNvPr>
+          <p:cNvPicPr>
+            <a:picLocks noChangeAspect="1"/>
+          </p:cNvPicPr>
+          <p:nvPr/>
+        </p:nvPicPr>
+        <p:blipFill>
+          <a:blip r:embed="rId4"/>
+          <a:stretch>
+            <a:fillRect/>
+          </a:stretch>
+        </p:blipFill>
+        <p:spPr>
+          <a:xfrm>
+            <a:off x="0" y="3512063"/>
+            <a:ext cx="4184533" cy="2667065"/>
+          </a:xfrm>
+          <a:prstGeom prst="rect">
+            <a:avLst/>
+          </a:prstGeom>
         </p:spPr>
       </p:pic>
     </p:spTree>
